--- a/作品展示会用.pptx
+++ b/作品展示会用.pptx
@@ -357,7 +357,7 @@
           <a:p>
             <a:fld id="{901FD508-957D-4871-83BC-2C400027228D}" type="datetimeFigureOut">
               <a:rPr kumimoji="1" lang="ja-JP" altLang="en-US" smtClean="0"/>
-              <a:t>2023/11/29</a:t>
+              <a:t>2024/1/10</a:t>
             </a:fld>
             <a:endParaRPr kumimoji="1" lang="ja-JP" altLang="en-US"/>
           </a:p>
@@ -559,7 +559,7 @@
           <a:p>
             <a:fld id="{901FD508-957D-4871-83BC-2C400027228D}" type="datetimeFigureOut">
               <a:rPr kumimoji="1" lang="ja-JP" altLang="en-US" smtClean="0"/>
-              <a:t>2023/11/29</a:t>
+              <a:t>2024/1/10</a:t>
             </a:fld>
             <a:endParaRPr kumimoji="1" lang="ja-JP" altLang="en-US"/>
           </a:p>
@@ -771,7 +771,7 @@
           <a:p>
             <a:fld id="{901FD508-957D-4871-83BC-2C400027228D}" type="datetimeFigureOut">
               <a:rPr kumimoji="1" lang="ja-JP" altLang="en-US" smtClean="0"/>
-              <a:t>2023/11/29</a:t>
+              <a:t>2024/1/10</a:t>
             </a:fld>
             <a:endParaRPr kumimoji="1" lang="ja-JP" altLang="en-US"/>
           </a:p>
@@ -973,7 +973,7 @@
           <a:p>
             <a:fld id="{901FD508-957D-4871-83BC-2C400027228D}" type="datetimeFigureOut">
               <a:rPr kumimoji="1" lang="ja-JP" altLang="en-US" smtClean="0"/>
-              <a:t>2023/11/29</a:t>
+              <a:t>2024/1/10</a:t>
             </a:fld>
             <a:endParaRPr kumimoji="1" lang="ja-JP" altLang="en-US"/>
           </a:p>
@@ -1231,7 +1231,7 @@
           <a:p>
             <a:fld id="{901FD508-957D-4871-83BC-2C400027228D}" type="datetimeFigureOut">
               <a:rPr kumimoji="1" lang="ja-JP" altLang="en-US" smtClean="0"/>
-              <a:t>2023/11/29</a:t>
+              <a:t>2024/1/10</a:t>
             </a:fld>
             <a:endParaRPr kumimoji="1" lang="ja-JP" altLang="en-US"/>
           </a:p>
@@ -1583,7 +1583,7 @@
           <a:p>
             <a:fld id="{901FD508-957D-4871-83BC-2C400027228D}" type="datetimeFigureOut">
               <a:rPr kumimoji="1" lang="ja-JP" altLang="en-US" smtClean="0"/>
-              <a:t>2023/11/29</a:t>
+              <a:t>2024/1/10</a:t>
             </a:fld>
             <a:endParaRPr kumimoji="1" lang="ja-JP" altLang="en-US"/>
           </a:p>
@@ -2089,7 +2089,7 @@
           <a:p>
             <a:fld id="{901FD508-957D-4871-83BC-2C400027228D}" type="datetimeFigureOut">
               <a:rPr kumimoji="1" lang="ja-JP" altLang="en-US" smtClean="0"/>
-              <a:t>2023/11/29</a:t>
+              <a:t>2024/1/10</a:t>
             </a:fld>
             <a:endParaRPr kumimoji="1" lang="ja-JP" altLang="en-US"/>
           </a:p>
@@ -2207,7 +2207,7 @@
           <a:p>
             <a:fld id="{901FD508-957D-4871-83BC-2C400027228D}" type="datetimeFigureOut">
               <a:rPr kumimoji="1" lang="ja-JP" altLang="en-US" smtClean="0"/>
-              <a:t>2023/11/29</a:t>
+              <a:t>2024/1/10</a:t>
             </a:fld>
             <a:endParaRPr kumimoji="1" lang="ja-JP" altLang="en-US"/>
           </a:p>
@@ -2302,7 +2302,7 @@
           <a:p>
             <a:fld id="{901FD508-957D-4871-83BC-2C400027228D}" type="datetimeFigureOut">
               <a:rPr kumimoji="1" lang="ja-JP" altLang="en-US" smtClean="0"/>
-              <a:t>2023/11/29</a:t>
+              <a:t>2024/1/10</a:t>
             </a:fld>
             <a:endParaRPr kumimoji="1" lang="ja-JP" altLang="en-US"/>
           </a:p>
@@ -2622,7 +2622,7 @@
           <a:p>
             <a:fld id="{901FD508-957D-4871-83BC-2C400027228D}" type="datetimeFigureOut">
               <a:rPr kumimoji="1" lang="ja-JP" altLang="en-US" smtClean="0"/>
-              <a:t>2023/11/29</a:t>
+              <a:t>2024/1/10</a:t>
             </a:fld>
             <a:endParaRPr kumimoji="1" lang="ja-JP" altLang="en-US"/>
           </a:p>
@@ -2895,7 +2895,7 @@
           <a:p>
             <a:fld id="{901FD508-957D-4871-83BC-2C400027228D}" type="datetimeFigureOut">
               <a:rPr kumimoji="1" lang="ja-JP" altLang="en-US" smtClean="0"/>
-              <a:t>2023/11/29</a:t>
+              <a:t>2024/1/10</a:t>
             </a:fld>
             <a:endParaRPr kumimoji="1" lang="ja-JP" altLang="en-US"/>
           </a:p>
@@ -3224,7 +3224,7 @@
           <a:p>
             <a:fld id="{901FD508-957D-4871-83BC-2C400027228D}" type="datetimeFigureOut">
               <a:rPr kumimoji="1" lang="ja-JP" altLang="en-US" smtClean="0"/>
-              <a:t>2023/11/29</a:t>
+              <a:t>2024/1/10</a:t>
             </a:fld>
             <a:endParaRPr kumimoji="1" lang="ja-JP" altLang="en-US"/>
           </a:p>
@@ -4122,7 +4122,7 @@
         </p:nvSpPr>
         <p:spPr>
           <a:xfrm>
-            <a:off x="9525964" y="2221762"/>
+            <a:off x="9525964" y="3059668"/>
             <a:ext cx="2330370" cy="369332"/>
           </a:xfrm>
           <a:prstGeom prst="rect">
@@ -4174,8 +4174,8 @@
         </p:nvSpPr>
         <p:spPr>
           <a:xfrm>
-            <a:off x="9850056" y="3113590"/>
-            <a:ext cx="1782501" cy="369332"/>
+            <a:off x="9525964" y="4173010"/>
+            <a:ext cx="2534855" cy="923330"/>
           </a:xfrm>
           <a:prstGeom prst="rect">
             <a:avLst/>
@@ -4196,7 +4196,12 @@
               <a:rPr kumimoji="1" lang="en-US" altLang="ja-JP" dirty="0"/>
               <a:t>…</a:t>
             </a:r>
-            <a:endParaRPr kumimoji="1" lang="ja-JP" altLang="en-US" dirty="0"/>
+          </a:p>
+          <a:p>
+            <a:r>
+              <a:rPr kumimoji="1" lang="ja-JP" altLang="en-US" dirty="0"/>
+              <a:t>・ゲームに慣れている十代後半～</a:t>
+            </a:r>
           </a:p>
         </p:txBody>
       </p:sp>
@@ -4415,8 +4420,8 @@
         </p:nvSpPr>
         <p:spPr>
           <a:xfrm>
-            <a:off x="812419" y="3428999"/>
-            <a:ext cx="3354465" cy="1477328"/>
+            <a:off x="812419" y="3105833"/>
+            <a:ext cx="3354465" cy="646331"/>
           </a:xfrm>
           <a:prstGeom prst="rect">
             <a:avLst/>
@@ -4455,7 +4460,7 @@
                 <a:latin typeface="BIZ UDP明朝 Medium" panose="02020500000000000000" pitchFamily="18" charset="-128"/>
                 <a:ea typeface="BIZ UDP明朝 Medium" panose="02020500000000000000" pitchFamily="18" charset="-128"/>
               </a:rPr>
-              <a:t>3</a:t>
+              <a:t>2</a:t>
             </a:r>
             <a:r>
               <a:rPr kumimoji="1" lang="ja-JP" altLang="en-US" dirty="0">
@@ -4500,95 +4505,6 @@
                 <a:srgbClr val="202122"/>
               </a:solidFill>
               <a:effectLst/>
-              <a:latin typeface="BIZ UDP明朝 Medium" panose="02020500000000000000" pitchFamily="18" charset="-128"/>
-              <a:ea typeface="BIZ UDP明朝 Medium" panose="02020500000000000000" pitchFamily="18" charset="-128"/>
-            </a:endParaRPr>
-          </a:p>
-          <a:p>
-            <a:r>
-              <a:rPr lang="ja-JP" altLang="en-US" b="0" i="0" dirty="0">
-                <a:solidFill>
-                  <a:srgbClr val="202122"/>
-                </a:solidFill>
-                <a:effectLst/>
-                <a:latin typeface="BIZ UDP明朝 Medium" panose="02020500000000000000" pitchFamily="18" charset="-128"/>
-                <a:ea typeface="BIZ UDP明朝 Medium" panose="02020500000000000000" pitchFamily="18" charset="-128"/>
-              </a:rPr>
-              <a:t>地上界</a:t>
-            </a:r>
-            <a:endParaRPr lang="en-US" altLang="ja-JP" b="0" i="0" dirty="0">
-              <a:solidFill>
-                <a:srgbClr val="202122"/>
-              </a:solidFill>
-              <a:effectLst/>
-              <a:latin typeface="BIZ UDP明朝 Medium" panose="02020500000000000000" pitchFamily="18" charset="-128"/>
-              <a:ea typeface="BIZ UDP明朝 Medium" panose="02020500000000000000" pitchFamily="18" charset="-128"/>
-            </a:endParaRPr>
-          </a:p>
-          <a:p>
-            <a:r>
-              <a:rPr lang="ja-JP" altLang="en-US" b="0" i="0" dirty="0">
-                <a:solidFill>
-                  <a:srgbClr val="202122"/>
-                </a:solidFill>
-                <a:effectLst/>
-                <a:latin typeface="BIZ UDP明朝 Medium" panose="02020500000000000000" pitchFamily="18" charset="-128"/>
-                <a:ea typeface="BIZ UDP明朝 Medium" panose="02020500000000000000" pitchFamily="18" charset="-128"/>
-              </a:rPr>
-              <a:t>天空界</a:t>
-            </a:r>
-            <a:endParaRPr lang="en-US" altLang="ja-JP" b="0" i="0" dirty="0">
-              <a:solidFill>
-                <a:srgbClr val="202122"/>
-              </a:solidFill>
-              <a:effectLst/>
-              <a:latin typeface="BIZ UDP明朝 Medium" panose="02020500000000000000" pitchFamily="18" charset="-128"/>
-              <a:ea typeface="BIZ UDP明朝 Medium" panose="02020500000000000000" pitchFamily="18" charset="-128"/>
-            </a:endParaRPr>
-          </a:p>
-          <a:p>
-            <a:r>
-              <a:rPr lang="en-US" altLang="ja-JP" dirty="0">
-                <a:solidFill>
-                  <a:srgbClr val="202122"/>
-                </a:solidFill>
-                <a:latin typeface="BIZ UDP明朝 Medium" panose="02020500000000000000" pitchFamily="18" charset="-128"/>
-                <a:ea typeface="BIZ UDP明朝 Medium" panose="02020500000000000000" pitchFamily="18" charset="-128"/>
-              </a:rPr>
-              <a:t>(</a:t>
-            </a:r>
-            <a:r>
-              <a:rPr lang="ja-JP" altLang="en-US" dirty="0">
-                <a:solidFill>
-                  <a:srgbClr val="202122"/>
-                </a:solidFill>
-                <a:latin typeface="BIZ UDP明朝 Medium" panose="02020500000000000000" pitchFamily="18" charset="-128"/>
-                <a:ea typeface="BIZ UDP明朝 Medium" panose="02020500000000000000" pitchFamily="18" charset="-128"/>
-              </a:rPr>
-              <a:t>できれば</a:t>
-            </a:r>
-            <a:r>
-              <a:rPr lang="en-US" altLang="ja-JP" dirty="0">
-                <a:solidFill>
-                  <a:srgbClr val="202122"/>
-                </a:solidFill>
-                <a:latin typeface="BIZ UDP明朝 Medium" panose="02020500000000000000" pitchFamily="18" charset="-128"/>
-                <a:ea typeface="BIZ UDP明朝 Medium" panose="02020500000000000000" pitchFamily="18" charset="-128"/>
-              </a:rPr>
-              <a:t>)</a:t>
-            </a:r>
-            <a:r>
-              <a:rPr lang="ja-JP" altLang="en-US" b="0" i="0" dirty="0">
-                <a:solidFill>
-                  <a:srgbClr val="202122"/>
-                </a:solidFill>
-                <a:effectLst/>
-                <a:latin typeface="BIZ UDP明朝 Medium" panose="02020500000000000000" pitchFamily="18" charset="-128"/>
-                <a:ea typeface="BIZ UDP明朝 Medium" panose="02020500000000000000" pitchFamily="18" charset="-128"/>
-              </a:rPr>
-              <a:t>天空の神殿</a:t>
-            </a:r>
-            <a:endParaRPr kumimoji="1" lang="ja-JP" altLang="en-US" dirty="0">
               <a:latin typeface="BIZ UDP明朝 Medium" panose="02020500000000000000" pitchFamily="18" charset="-128"/>
               <a:ea typeface="BIZ UDP明朝 Medium" panose="02020500000000000000" pitchFamily="18" charset="-128"/>
             </a:endParaRPr>
@@ -4609,8 +4525,8 @@
         </p:nvSpPr>
         <p:spPr>
           <a:xfrm>
-            <a:off x="5822066" y="3429000"/>
-            <a:ext cx="3078866" cy="1754326"/>
+            <a:off x="5466116" y="3105833"/>
+            <a:ext cx="3078866" cy="2031325"/>
           </a:xfrm>
           <a:prstGeom prst="rect">
             <a:avLst/>
@@ -4662,6 +4578,33 @@
                 <a:ea typeface="BIZ UDP明朝 Medium" panose="02020500000000000000" pitchFamily="18" charset="-128"/>
               </a:rPr>
               <a:t>・十字キー</a:t>
+            </a:r>
+            <a:endParaRPr kumimoji="1" lang="en-US" altLang="ja-JP" dirty="0">
+              <a:latin typeface="BIZ UDP明朝 Medium" panose="02020500000000000000" pitchFamily="18" charset="-128"/>
+              <a:ea typeface="BIZ UDP明朝 Medium" panose="02020500000000000000" pitchFamily="18" charset="-128"/>
+            </a:endParaRPr>
+          </a:p>
+          <a:p>
+            <a:r>
+              <a:rPr kumimoji="1" lang="ja-JP" altLang="en-US" dirty="0">
+                <a:latin typeface="BIZ UDP明朝 Medium" panose="02020500000000000000" pitchFamily="18" charset="-128"/>
+                <a:ea typeface="BIZ UDP明朝 Medium" panose="02020500000000000000" pitchFamily="18" charset="-128"/>
+              </a:rPr>
+              <a:t>・</a:t>
+            </a:r>
+            <a:r>
+              <a:rPr kumimoji="1" lang="en-US" altLang="ja-JP" dirty="0">
+                <a:latin typeface="BIZ UDP明朝 Medium" panose="02020500000000000000" pitchFamily="18" charset="-128"/>
+                <a:ea typeface="BIZ UDP明朝 Medium" panose="02020500000000000000" pitchFamily="18" charset="-128"/>
+              </a:rPr>
+              <a:t>Z</a:t>
+            </a:r>
+            <a:r>
+              <a:rPr kumimoji="1" lang="ja-JP" altLang="en-US" dirty="0">
+                <a:latin typeface="BIZ UDP明朝 Medium" panose="02020500000000000000" pitchFamily="18" charset="-128"/>
+                <a:ea typeface="BIZ UDP明朝 Medium" panose="02020500000000000000" pitchFamily="18" charset="-128"/>
+              </a:rPr>
+              <a:t>キー</a:t>
             </a:r>
             <a:endParaRPr kumimoji="1" lang="en-US" altLang="ja-JP" dirty="0">
               <a:latin typeface="BIZ UDP明朝 Medium" panose="02020500000000000000" pitchFamily="18" charset="-128"/>
@@ -4827,7 +4770,7 @@
         </p:blipFill>
         <p:spPr>
           <a:xfrm>
-            <a:off x="477427" y="1339929"/>
+            <a:off x="477427" y="2650826"/>
             <a:ext cx="1226917" cy="2089071"/>
           </a:xfrm>
           <a:prstGeom prst="rect">
@@ -4849,8 +4792,8 @@
         </p:nvSpPr>
         <p:spPr>
           <a:xfrm>
-            <a:off x="413766" y="950321"/>
-            <a:ext cx="1354238" cy="369332"/>
+            <a:off x="196266" y="2015131"/>
+            <a:ext cx="1736705" cy="369332"/>
           </a:xfrm>
           <a:prstGeom prst="rect">
             <a:avLst/>
@@ -4870,6 +4813,31 @@
               </a:rPr>
               <a:t>プレイヤー</a:t>
             </a:r>
+            <a:r>
+              <a:rPr kumimoji="1" lang="en-US" altLang="ja-JP" dirty="0">
+                <a:latin typeface="BIZ UDP明朝 Medium" panose="02020500000000000000" pitchFamily="18" charset="-128"/>
+                <a:ea typeface="BIZ UDP明朝 Medium" panose="02020500000000000000" pitchFamily="18" charset="-128"/>
+              </a:rPr>
+              <a:t>(</a:t>
+            </a:r>
+            <a:r>
+              <a:rPr kumimoji="1" lang="ja-JP" altLang="en-US" dirty="0">
+                <a:latin typeface="BIZ UDP明朝 Medium" panose="02020500000000000000" pitchFamily="18" charset="-128"/>
+                <a:ea typeface="BIZ UDP明朝 Medium" panose="02020500000000000000" pitchFamily="18" charset="-128"/>
+              </a:rPr>
+              <a:t>仮</a:t>
+            </a:r>
+            <a:r>
+              <a:rPr kumimoji="1" lang="en-US" altLang="ja-JP" dirty="0">
+                <a:latin typeface="BIZ UDP明朝 Medium" panose="02020500000000000000" pitchFamily="18" charset="-128"/>
+                <a:ea typeface="BIZ UDP明朝 Medium" panose="02020500000000000000" pitchFamily="18" charset="-128"/>
+              </a:rPr>
+              <a:t>)</a:t>
+            </a:r>
+            <a:endParaRPr kumimoji="1" lang="ja-JP" altLang="en-US" dirty="0">
+              <a:latin typeface="BIZ UDP明朝 Medium" panose="02020500000000000000" pitchFamily="18" charset="-128"/>
+              <a:ea typeface="BIZ UDP明朝 Medium" panose="02020500000000000000" pitchFamily="18" charset="-128"/>
+            </a:endParaRPr>
           </a:p>
         </p:txBody>
       </p:sp>
@@ -4901,8 +4869,8 @@
         </p:blipFill>
         <p:spPr>
           <a:xfrm>
-            <a:off x="2695334" y="1494994"/>
-            <a:ext cx="2375407" cy="1778939"/>
+            <a:off x="3444521" y="1115845"/>
+            <a:ext cx="1585686" cy="1187518"/>
           </a:xfrm>
           <a:prstGeom prst="rect">
             <a:avLst/>
@@ -4923,8 +4891,8 @@
         </p:nvSpPr>
         <p:spPr>
           <a:xfrm>
-            <a:off x="5810491" y="1736203"/>
-            <a:ext cx="2905246" cy="2031325"/>
+            <a:off x="5918503" y="5264832"/>
+            <a:ext cx="2011434" cy="369332"/>
           </a:xfrm>
           <a:prstGeom prst="rect">
             <a:avLst/>
@@ -4938,11 +4906,18 @@
           <a:lstStyle/>
           <a:p>
             <a:r>
+              <a:rPr kumimoji="1" lang="en-US" altLang="ja-JP" dirty="0">
+                <a:latin typeface="BIZ UDP明朝 Medium" panose="02020500000000000000" pitchFamily="18" charset="-128"/>
+                <a:ea typeface="BIZ UDP明朝 Medium" panose="02020500000000000000" pitchFamily="18" charset="-128"/>
+              </a:rPr>
+              <a:t>Enter</a:t>
+            </a:r>
+            <a:r>
               <a:rPr kumimoji="1" lang="ja-JP" altLang="en-US" dirty="0">
                 <a:latin typeface="BIZ UDP明朝 Medium" panose="02020500000000000000" pitchFamily="18" charset="-128"/>
                 <a:ea typeface="BIZ UDP明朝 Medium" panose="02020500000000000000" pitchFamily="18" charset="-128"/>
               </a:rPr>
-              <a:t>左右キー</a:t>
+              <a:t>キー</a:t>
             </a:r>
             <a:r>
               <a:rPr kumimoji="1" lang="en-US" altLang="ja-JP" dirty="0">
@@ -4956,135 +4931,8 @@
                 <a:latin typeface="BIZ UDP明朝 Medium" panose="02020500000000000000" pitchFamily="18" charset="-128"/>
                 <a:ea typeface="BIZ UDP明朝 Medium" panose="02020500000000000000" pitchFamily="18" charset="-128"/>
               </a:rPr>
-              <a:t>左右移動</a:t>
-            </a:r>
-            <a:endParaRPr kumimoji="1" lang="en-US" altLang="ja-JP" dirty="0">
-              <a:latin typeface="BIZ UDP明朝 Medium" panose="02020500000000000000" pitchFamily="18" charset="-128"/>
-              <a:ea typeface="BIZ UDP明朝 Medium" panose="02020500000000000000" pitchFamily="18" charset="-128"/>
-            </a:endParaRPr>
-          </a:p>
-          <a:p>
-            <a:r>
-              <a:rPr kumimoji="1" lang="ja-JP" altLang="en-US" dirty="0">
-                <a:latin typeface="BIZ UDP明朝 Medium" panose="02020500000000000000" pitchFamily="18" charset="-128"/>
-                <a:ea typeface="BIZ UDP明朝 Medium" panose="02020500000000000000" pitchFamily="18" charset="-128"/>
-              </a:rPr>
-              <a:t>上キー</a:t>
-            </a:r>
-            <a:r>
-              <a:rPr kumimoji="1" lang="en-US" altLang="ja-JP" dirty="0">
-                <a:latin typeface="BIZ UDP明朝 Medium" panose="02020500000000000000" pitchFamily="18" charset="-128"/>
-                <a:ea typeface="BIZ UDP明朝 Medium" panose="02020500000000000000" pitchFamily="18" charset="-128"/>
-              </a:rPr>
-              <a:t>… </a:t>
-            </a:r>
-            <a:r>
-              <a:rPr kumimoji="1" lang="ja-JP" altLang="en-US" dirty="0">
-                <a:latin typeface="BIZ UDP明朝 Medium" panose="02020500000000000000" pitchFamily="18" charset="-128"/>
-                <a:ea typeface="BIZ UDP明朝 Medium" panose="02020500000000000000" pitchFamily="18" charset="-128"/>
-              </a:rPr>
-              <a:t>ジャンプ</a:t>
-            </a:r>
-            <a:endParaRPr kumimoji="1" lang="en-US" altLang="ja-JP" dirty="0">
-              <a:latin typeface="BIZ UDP明朝 Medium" panose="02020500000000000000" pitchFamily="18" charset="-128"/>
-              <a:ea typeface="BIZ UDP明朝 Medium" panose="02020500000000000000" pitchFamily="18" charset="-128"/>
-            </a:endParaRPr>
-          </a:p>
-          <a:p>
-            <a:r>
-              <a:rPr kumimoji="1" lang="ja-JP" altLang="en-US" dirty="0">
-                <a:latin typeface="BIZ UDP明朝 Medium" panose="02020500000000000000" pitchFamily="18" charset="-128"/>
-                <a:ea typeface="BIZ UDP明朝 Medium" panose="02020500000000000000" pitchFamily="18" charset="-128"/>
-              </a:rPr>
-              <a:t>下キー</a:t>
-            </a:r>
-            <a:r>
-              <a:rPr kumimoji="1" lang="en-US" altLang="ja-JP" dirty="0">
-                <a:latin typeface="BIZ UDP明朝 Medium" panose="02020500000000000000" pitchFamily="18" charset="-128"/>
-                <a:ea typeface="BIZ UDP明朝 Medium" panose="02020500000000000000" pitchFamily="18" charset="-128"/>
-              </a:rPr>
-              <a:t>…</a:t>
-            </a:r>
-            <a:r>
-              <a:rPr kumimoji="1" lang="ja-JP" altLang="en-US" dirty="0">
-                <a:latin typeface="BIZ UDP明朝 Medium" panose="02020500000000000000" pitchFamily="18" charset="-128"/>
-                <a:ea typeface="BIZ UDP明朝 Medium" panose="02020500000000000000" pitchFamily="18" charset="-128"/>
-              </a:rPr>
-              <a:t>しゃがむ</a:t>
-            </a:r>
-            <a:endParaRPr kumimoji="1" lang="en-US" altLang="ja-JP" dirty="0">
-              <a:latin typeface="BIZ UDP明朝 Medium" panose="02020500000000000000" pitchFamily="18" charset="-128"/>
-              <a:ea typeface="BIZ UDP明朝 Medium" panose="02020500000000000000" pitchFamily="18" charset="-128"/>
-            </a:endParaRPr>
-          </a:p>
-          <a:p>
-            <a:endParaRPr kumimoji="1" lang="en-US" altLang="ja-JP" dirty="0">
-              <a:latin typeface="BIZ UDP明朝 Medium" panose="02020500000000000000" pitchFamily="18" charset="-128"/>
-              <a:ea typeface="BIZ UDP明朝 Medium" panose="02020500000000000000" pitchFamily="18" charset="-128"/>
-            </a:endParaRPr>
-          </a:p>
-          <a:p>
-            <a:r>
-              <a:rPr kumimoji="1" lang="en-US" altLang="ja-JP" dirty="0">
-                <a:latin typeface="BIZ UDP明朝 Medium" panose="02020500000000000000" pitchFamily="18" charset="-128"/>
-                <a:ea typeface="BIZ UDP明朝 Medium" panose="02020500000000000000" pitchFamily="18" charset="-128"/>
-              </a:rPr>
-              <a:t>Enter</a:t>
-            </a:r>
-            <a:r>
-              <a:rPr kumimoji="1" lang="ja-JP" altLang="en-US" dirty="0">
-                <a:latin typeface="BIZ UDP明朝 Medium" panose="02020500000000000000" pitchFamily="18" charset="-128"/>
-                <a:ea typeface="BIZ UDP明朝 Medium" panose="02020500000000000000" pitchFamily="18" charset="-128"/>
-              </a:rPr>
-              <a:t>キー</a:t>
-            </a:r>
-            <a:r>
-              <a:rPr kumimoji="1" lang="en-US" altLang="ja-JP" dirty="0">
-                <a:latin typeface="BIZ UDP明朝 Medium" panose="02020500000000000000" pitchFamily="18" charset="-128"/>
-                <a:ea typeface="BIZ UDP明朝 Medium" panose="02020500000000000000" pitchFamily="18" charset="-128"/>
-              </a:rPr>
-              <a:t>…</a:t>
-            </a:r>
-          </a:p>
-          <a:p>
-            <a:r>
-              <a:rPr kumimoji="1" lang="en-US" altLang="ja-JP" dirty="0">
-                <a:latin typeface="BIZ UDP明朝 Medium" panose="02020500000000000000" pitchFamily="18" charset="-128"/>
-                <a:ea typeface="BIZ UDP明朝 Medium" panose="02020500000000000000" pitchFamily="18" charset="-128"/>
-              </a:rPr>
-              <a:t>Space</a:t>
-            </a:r>
-            <a:r>
-              <a:rPr kumimoji="1" lang="ja-JP" altLang="en-US" dirty="0">
-                <a:latin typeface="BIZ UDP明朝 Medium" panose="02020500000000000000" pitchFamily="18" charset="-128"/>
-                <a:ea typeface="BIZ UDP明朝 Medium" panose="02020500000000000000" pitchFamily="18" charset="-128"/>
-              </a:rPr>
-              <a:t>キー</a:t>
-            </a:r>
-            <a:r>
-              <a:rPr kumimoji="1" lang="en-US" altLang="ja-JP" dirty="0">
-                <a:latin typeface="BIZ UDP明朝 Medium" panose="02020500000000000000" pitchFamily="18" charset="-128"/>
-                <a:ea typeface="BIZ UDP明朝 Medium" panose="02020500000000000000" pitchFamily="18" charset="-128"/>
-              </a:rPr>
-              <a:t>…</a:t>
-            </a:r>
-            <a:r>
-              <a:rPr kumimoji="1" lang="ja-JP" altLang="en-US" dirty="0">
-                <a:latin typeface="BIZ UDP明朝 Medium" panose="02020500000000000000" pitchFamily="18" charset="-128"/>
-                <a:ea typeface="BIZ UDP明朝 Medium" panose="02020500000000000000" pitchFamily="18" charset="-128"/>
-              </a:rPr>
-              <a:t>攻撃</a:t>
-            </a:r>
-            <a:endParaRPr kumimoji="1" lang="en-US" altLang="ja-JP" dirty="0">
-              <a:latin typeface="BIZ UDP明朝 Medium" panose="02020500000000000000" pitchFamily="18" charset="-128"/>
-              <a:ea typeface="BIZ UDP明朝 Medium" panose="02020500000000000000" pitchFamily="18" charset="-128"/>
-            </a:endParaRPr>
-          </a:p>
-          <a:p>
-            <a:endParaRPr kumimoji="1" lang="ja-JP" altLang="en-US" dirty="0">
-              <a:latin typeface="BIZ UDP明朝 Medium" panose="02020500000000000000" pitchFamily="18" charset="-128"/>
-              <a:ea typeface="BIZ UDP明朝 Medium" panose="02020500000000000000" pitchFamily="18" charset="-128"/>
-            </a:endParaRPr>
+              <a:t>決定</a:t>
+            </a:r>
           </a:p>
         </p:txBody>
       </p:sp>
@@ -5115,14 +4963,308 @@
         </p:blipFill>
         <p:spPr>
           <a:xfrm>
-            <a:off x="3120175" y="3831220"/>
-            <a:ext cx="1710917" cy="2089072"/>
+            <a:off x="3781212" y="4892526"/>
+            <a:ext cx="912303" cy="1113945"/>
           </a:xfrm>
           <a:prstGeom prst="rect">
             <a:avLst/>
           </a:prstGeom>
         </p:spPr>
       </p:pic>
+      <p:pic>
+        <p:nvPicPr>
+          <p:cNvPr id="3" name="図 2">
+            <a:extLst>
+              <a:ext uri="{FF2B5EF4-FFF2-40B4-BE49-F238E27FC236}">
+                <a16:creationId xmlns:a16="http://schemas.microsoft.com/office/drawing/2014/main" id="{E1C7852E-BC52-483A-95F2-34F3713103A5}"/>
+              </a:ext>
+            </a:extLst>
+          </p:cNvPr>
+          <p:cNvPicPr>
+            <a:picLocks noChangeAspect="1"/>
+          </p:cNvPicPr>
+          <p:nvPr/>
+        </p:nvPicPr>
+        <p:blipFill>
+          <a:blip r:embed="rId5">
+            <a:extLst>
+              <a:ext uri="{28A0092B-C50C-407E-A947-70E740481C1C}">
+                <a14:useLocalDpi xmlns:a14="http://schemas.microsoft.com/office/drawing/2010/main" val="0"/>
+              </a:ext>
+            </a:extLst>
+          </a:blip>
+          <a:stretch>
+            <a:fillRect/>
+          </a:stretch>
+        </p:blipFill>
+        <p:spPr>
+          <a:xfrm>
+            <a:off x="3890861" y="2683256"/>
+            <a:ext cx="693006" cy="704954"/>
+          </a:xfrm>
+          <a:prstGeom prst="rect">
+            <a:avLst/>
+          </a:prstGeom>
+        </p:spPr>
+      </p:pic>
+      <p:sp>
+        <p:nvSpPr>
+          <p:cNvPr id="5" name="テキスト ボックス 4">
+            <a:extLst>
+              <a:ext uri="{FF2B5EF4-FFF2-40B4-BE49-F238E27FC236}">
+                <a16:creationId xmlns:a16="http://schemas.microsoft.com/office/drawing/2014/main" id="{827CA99A-969E-4F7A-8CC4-005EF8E680FF}"/>
+              </a:ext>
+            </a:extLst>
+          </p:cNvPr>
+          <p:cNvSpPr txBox="1"/>
+          <p:nvPr/>
+        </p:nvSpPr>
+        <p:spPr>
+          <a:xfrm>
+            <a:off x="5736517" y="1247939"/>
+            <a:ext cx="2375407" cy="923330"/>
+          </a:xfrm>
+          <a:prstGeom prst="rect">
+            <a:avLst/>
+          </a:prstGeom>
+          <a:noFill/>
+        </p:spPr>
+        <p:txBody>
+          <a:bodyPr wrap="square" rtlCol="0">
+            <a:spAutoFit/>
+          </a:bodyPr>
+          <a:lstStyle/>
+          <a:p>
+            <a:r>
+              <a:rPr kumimoji="1" lang="ja-JP" altLang="en-US" dirty="0">
+                <a:latin typeface="BIZ UDP明朝 Medium" panose="02020500000000000000" pitchFamily="18" charset="-128"/>
+                <a:ea typeface="BIZ UDP明朝 Medium" panose="02020500000000000000" pitchFamily="18" charset="-128"/>
+              </a:rPr>
+              <a:t>左右キー</a:t>
+            </a:r>
+            <a:r>
+              <a:rPr kumimoji="1" lang="en-US" altLang="ja-JP" dirty="0">
+                <a:latin typeface="BIZ UDP明朝 Medium" panose="02020500000000000000" pitchFamily="18" charset="-128"/>
+                <a:ea typeface="BIZ UDP明朝 Medium" panose="02020500000000000000" pitchFamily="18" charset="-128"/>
+              </a:rPr>
+              <a:t>…  </a:t>
+            </a:r>
+            <a:r>
+              <a:rPr kumimoji="1" lang="ja-JP" altLang="en-US" dirty="0">
+                <a:latin typeface="BIZ UDP明朝 Medium" panose="02020500000000000000" pitchFamily="18" charset="-128"/>
+                <a:ea typeface="BIZ UDP明朝 Medium" panose="02020500000000000000" pitchFamily="18" charset="-128"/>
+              </a:rPr>
+              <a:t>左右移動</a:t>
+            </a:r>
+            <a:endParaRPr kumimoji="1" lang="en-US" altLang="ja-JP" dirty="0">
+              <a:latin typeface="BIZ UDP明朝 Medium" panose="02020500000000000000" pitchFamily="18" charset="-128"/>
+              <a:ea typeface="BIZ UDP明朝 Medium" panose="02020500000000000000" pitchFamily="18" charset="-128"/>
+            </a:endParaRPr>
+          </a:p>
+          <a:p>
+            <a:r>
+              <a:rPr kumimoji="1" lang="ja-JP" altLang="en-US" dirty="0">
+                <a:latin typeface="BIZ UDP明朝 Medium" panose="02020500000000000000" pitchFamily="18" charset="-128"/>
+                <a:ea typeface="BIZ UDP明朝 Medium" panose="02020500000000000000" pitchFamily="18" charset="-128"/>
+              </a:rPr>
+              <a:t>  上キー</a:t>
+            </a:r>
+            <a:r>
+              <a:rPr kumimoji="1" lang="en-US" altLang="ja-JP" dirty="0">
+                <a:latin typeface="BIZ UDP明朝 Medium" panose="02020500000000000000" pitchFamily="18" charset="-128"/>
+                <a:ea typeface="BIZ UDP明朝 Medium" panose="02020500000000000000" pitchFamily="18" charset="-128"/>
+              </a:rPr>
+              <a:t>…    </a:t>
+            </a:r>
+            <a:r>
+              <a:rPr kumimoji="1" lang="ja-JP" altLang="en-US" dirty="0">
+                <a:latin typeface="BIZ UDP明朝 Medium" panose="02020500000000000000" pitchFamily="18" charset="-128"/>
+                <a:ea typeface="BIZ UDP明朝 Medium" panose="02020500000000000000" pitchFamily="18" charset="-128"/>
+              </a:rPr>
+              <a:t>上向き</a:t>
+            </a:r>
+            <a:endParaRPr kumimoji="1" lang="en-US" altLang="ja-JP" dirty="0">
+              <a:latin typeface="BIZ UDP明朝 Medium" panose="02020500000000000000" pitchFamily="18" charset="-128"/>
+              <a:ea typeface="BIZ UDP明朝 Medium" panose="02020500000000000000" pitchFamily="18" charset="-128"/>
+            </a:endParaRPr>
+          </a:p>
+          <a:p>
+            <a:r>
+              <a:rPr kumimoji="1" lang="ja-JP" altLang="en-US" dirty="0">
+                <a:latin typeface="BIZ UDP明朝 Medium" panose="02020500000000000000" pitchFamily="18" charset="-128"/>
+                <a:ea typeface="BIZ UDP明朝 Medium" panose="02020500000000000000" pitchFamily="18" charset="-128"/>
+              </a:rPr>
+              <a:t>  下キー</a:t>
+            </a:r>
+            <a:r>
+              <a:rPr kumimoji="1" lang="en-US" altLang="ja-JP" dirty="0">
+                <a:latin typeface="BIZ UDP明朝 Medium" panose="02020500000000000000" pitchFamily="18" charset="-128"/>
+                <a:ea typeface="BIZ UDP明朝 Medium" panose="02020500000000000000" pitchFamily="18" charset="-128"/>
+              </a:rPr>
+              <a:t>…    </a:t>
+            </a:r>
+            <a:r>
+              <a:rPr kumimoji="1" lang="ja-JP" altLang="en-US" dirty="0">
+                <a:latin typeface="BIZ UDP明朝 Medium" panose="02020500000000000000" pitchFamily="18" charset="-128"/>
+                <a:ea typeface="BIZ UDP明朝 Medium" panose="02020500000000000000" pitchFamily="18" charset="-128"/>
+              </a:rPr>
+              <a:t>しゃがむ</a:t>
+            </a:r>
+            <a:endParaRPr kumimoji="1" lang="en-US" altLang="ja-JP" dirty="0">
+              <a:latin typeface="BIZ UDP明朝 Medium" panose="02020500000000000000" pitchFamily="18" charset="-128"/>
+              <a:ea typeface="BIZ UDP明朝 Medium" panose="02020500000000000000" pitchFamily="18" charset="-128"/>
+            </a:endParaRPr>
+          </a:p>
+        </p:txBody>
+      </p:sp>
+      <p:sp>
+        <p:nvSpPr>
+          <p:cNvPr id="7" name="テキスト ボックス 6">
+            <a:extLst>
+              <a:ext uri="{FF2B5EF4-FFF2-40B4-BE49-F238E27FC236}">
+                <a16:creationId xmlns:a16="http://schemas.microsoft.com/office/drawing/2014/main" id="{9905B841-E81A-4F8A-BF9A-44ECF644C37B}"/>
+              </a:ext>
+            </a:extLst>
+          </p:cNvPr>
+          <p:cNvSpPr txBox="1"/>
+          <p:nvPr/>
+        </p:nvSpPr>
+        <p:spPr>
+          <a:xfrm>
+            <a:off x="5813052" y="2851067"/>
+            <a:ext cx="2222339" cy="369332"/>
+          </a:xfrm>
+          <a:prstGeom prst="rect">
+            <a:avLst/>
+          </a:prstGeom>
+          <a:noFill/>
+        </p:spPr>
+        <p:txBody>
+          <a:bodyPr wrap="square" rtlCol="0">
+            <a:spAutoFit/>
+          </a:bodyPr>
+          <a:lstStyle/>
+          <a:p>
+            <a:r>
+              <a:rPr kumimoji="1" lang="en-US" altLang="ja-JP" dirty="0">
+                <a:latin typeface="BIZ UDP明朝 Medium" panose="02020500000000000000" pitchFamily="18" charset="-128"/>
+                <a:ea typeface="BIZ UDP明朝 Medium" panose="02020500000000000000" pitchFamily="18" charset="-128"/>
+              </a:rPr>
+              <a:t>Z</a:t>
+            </a:r>
+            <a:r>
+              <a:rPr kumimoji="1" lang="ja-JP" altLang="en-US" dirty="0">
+                <a:latin typeface="BIZ UDP明朝 Medium" panose="02020500000000000000" pitchFamily="18" charset="-128"/>
+                <a:ea typeface="BIZ UDP明朝 Medium" panose="02020500000000000000" pitchFamily="18" charset="-128"/>
+              </a:rPr>
+              <a:t>キー・・・    ジャンプ</a:t>
+            </a:r>
+            <a:endParaRPr kumimoji="1" lang="en-US" altLang="ja-JP" dirty="0">
+              <a:latin typeface="BIZ UDP明朝 Medium" panose="02020500000000000000" pitchFamily="18" charset="-128"/>
+              <a:ea typeface="BIZ UDP明朝 Medium" panose="02020500000000000000" pitchFamily="18" charset="-128"/>
+            </a:endParaRPr>
+          </a:p>
+        </p:txBody>
+      </p:sp>
+      <p:pic>
+        <p:nvPicPr>
+          <p:cNvPr id="10" name="図 9">
+            <a:extLst>
+              <a:ext uri="{FF2B5EF4-FFF2-40B4-BE49-F238E27FC236}">
+                <a16:creationId xmlns:a16="http://schemas.microsoft.com/office/drawing/2014/main" id="{40F78AB7-D01D-4AA9-961E-0142ED223326}"/>
+              </a:ext>
+            </a:extLst>
+          </p:cNvPr>
+          <p:cNvPicPr>
+            <a:picLocks noChangeAspect="1"/>
+          </p:cNvPicPr>
+          <p:nvPr/>
+        </p:nvPicPr>
+        <p:blipFill>
+          <a:blip r:embed="rId6">
+            <a:extLst>
+              <a:ext uri="{28A0092B-C50C-407E-A947-70E740481C1C}">
+                <a14:useLocalDpi xmlns:a14="http://schemas.microsoft.com/office/drawing/2010/main" val="0"/>
+              </a:ext>
+            </a:extLst>
+          </a:blip>
+          <a:stretch>
+            <a:fillRect/>
+          </a:stretch>
+        </p:blipFill>
+        <p:spPr>
+          <a:xfrm>
+            <a:off x="3044071" y="3866048"/>
+            <a:ext cx="2386584" cy="548640"/>
+          </a:xfrm>
+          <a:prstGeom prst="rect">
+            <a:avLst/>
+          </a:prstGeom>
+        </p:spPr>
+      </p:pic>
+      <p:sp>
+        <p:nvSpPr>
+          <p:cNvPr id="11" name="テキスト ボックス 10">
+            <a:extLst>
+              <a:ext uri="{FF2B5EF4-FFF2-40B4-BE49-F238E27FC236}">
+                <a16:creationId xmlns:a16="http://schemas.microsoft.com/office/drawing/2014/main" id="{462B8EE0-EA10-4988-81DD-339957A5BB3A}"/>
+              </a:ext>
+            </a:extLst>
+          </p:cNvPr>
+          <p:cNvSpPr txBox="1"/>
+          <p:nvPr/>
+        </p:nvSpPr>
+        <p:spPr>
+          <a:xfrm>
+            <a:off x="5857420" y="3935600"/>
+            <a:ext cx="2133600" cy="369332"/>
+          </a:xfrm>
+          <a:prstGeom prst="rect">
+            <a:avLst/>
+          </a:prstGeom>
+          <a:noFill/>
+        </p:spPr>
+        <p:txBody>
+          <a:bodyPr wrap="square" rtlCol="0">
+            <a:spAutoFit/>
+          </a:bodyPr>
+          <a:lstStyle/>
+          <a:p>
+            <a:r>
+              <a:rPr kumimoji="1" lang="en-US" altLang="ja-JP" dirty="0">
+                <a:latin typeface="BIZ UDP明朝 Medium" panose="02020500000000000000" pitchFamily="18" charset="-128"/>
+                <a:ea typeface="BIZ UDP明朝 Medium" panose="02020500000000000000" pitchFamily="18" charset="-128"/>
+              </a:rPr>
+              <a:t>Space</a:t>
+            </a:r>
+            <a:r>
+              <a:rPr kumimoji="1" lang="ja-JP" altLang="en-US" dirty="0">
+                <a:latin typeface="BIZ UDP明朝 Medium" panose="02020500000000000000" pitchFamily="18" charset="-128"/>
+                <a:ea typeface="BIZ UDP明朝 Medium" panose="02020500000000000000" pitchFamily="18" charset="-128"/>
+              </a:rPr>
+              <a:t>キー</a:t>
+            </a:r>
+            <a:r>
+              <a:rPr kumimoji="1" lang="en-US" altLang="ja-JP" dirty="0">
+                <a:latin typeface="BIZ UDP明朝 Medium" panose="02020500000000000000" pitchFamily="18" charset="-128"/>
+                <a:ea typeface="BIZ UDP明朝 Medium" panose="02020500000000000000" pitchFamily="18" charset="-128"/>
+              </a:rPr>
+              <a:t>…</a:t>
+            </a:r>
+            <a:r>
+              <a:rPr kumimoji="1" lang="ja-JP" altLang="en-US" dirty="0">
+                <a:latin typeface="BIZ UDP明朝 Medium" panose="02020500000000000000" pitchFamily="18" charset="-128"/>
+                <a:ea typeface="BIZ UDP明朝 Medium" panose="02020500000000000000" pitchFamily="18" charset="-128"/>
+              </a:rPr>
+              <a:t>攻撃</a:t>
+            </a:r>
+            <a:endParaRPr kumimoji="1" lang="en-US" altLang="ja-JP" dirty="0">
+              <a:latin typeface="BIZ UDP明朝 Medium" panose="02020500000000000000" pitchFamily="18" charset="-128"/>
+              <a:ea typeface="BIZ UDP明朝 Medium" panose="02020500000000000000" pitchFamily="18" charset="-128"/>
+            </a:endParaRPr>
+          </a:p>
+        </p:txBody>
+      </p:sp>
     </p:spTree>
     <p:extLst>
       <p:ext uri="{BB962C8B-B14F-4D97-AF65-F5344CB8AC3E}">
@@ -5377,7 +5519,7 @@
         </p:nvSpPr>
         <p:spPr>
           <a:xfrm>
-            <a:off x="812801" y="4670534"/>
+            <a:off x="286800" y="4313506"/>
             <a:ext cx="2082799" cy="369332"/>
           </a:xfrm>
           <a:prstGeom prst="rect">
@@ -5413,7 +5555,7 @@
         </p:nvSpPr>
         <p:spPr>
           <a:xfrm>
-            <a:off x="756857" y="5061424"/>
+            <a:off x="230856" y="4704396"/>
             <a:ext cx="3368417" cy="1200329"/>
           </a:xfrm>
           <a:prstGeom prst="rect">
@@ -5898,7 +6040,7 @@
         </p:nvSpPr>
         <p:spPr>
           <a:xfrm>
-            <a:off x="439336" y="543504"/>
+            <a:off x="317801" y="543504"/>
             <a:ext cx="2773086" cy="369332"/>
           </a:xfrm>
           <a:prstGeom prst="rect">

--- a/作品展示会用.pptx
+++ b/作品展示会用.pptx
@@ -8,8 +8,8 @@
     <p:sldId id="256" r:id="rId2"/>
     <p:sldId id="265" r:id="rId3"/>
     <p:sldId id="262" r:id="rId4"/>
-    <p:sldId id="257" r:id="rId5"/>
-    <p:sldId id="258" r:id="rId6"/>
+    <p:sldId id="258" r:id="rId5"/>
+    <p:sldId id="257" r:id="rId6"/>
     <p:sldId id="260" r:id="rId7"/>
     <p:sldId id="261" r:id="rId8"/>
     <p:sldId id="259" r:id="rId9"/>
@@ -357,7 +357,7 @@
           <a:p>
             <a:fld id="{901FD508-957D-4871-83BC-2C400027228D}" type="datetimeFigureOut">
               <a:rPr kumimoji="1" lang="ja-JP" altLang="en-US" smtClean="0"/>
-              <a:t>2024/1/10</a:t>
+              <a:t>2024/1/17</a:t>
             </a:fld>
             <a:endParaRPr kumimoji="1" lang="ja-JP" altLang="en-US"/>
           </a:p>
@@ -559,7 +559,7 @@
           <a:p>
             <a:fld id="{901FD508-957D-4871-83BC-2C400027228D}" type="datetimeFigureOut">
               <a:rPr kumimoji="1" lang="ja-JP" altLang="en-US" smtClean="0"/>
-              <a:t>2024/1/10</a:t>
+              <a:t>2024/1/17</a:t>
             </a:fld>
             <a:endParaRPr kumimoji="1" lang="ja-JP" altLang="en-US"/>
           </a:p>
@@ -771,7 +771,7 @@
           <a:p>
             <a:fld id="{901FD508-957D-4871-83BC-2C400027228D}" type="datetimeFigureOut">
               <a:rPr kumimoji="1" lang="ja-JP" altLang="en-US" smtClean="0"/>
-              <a:t>2024/1/10</a:t>
+              <a:t>2024/1/17</a:t>
             </a:fld>
             <a:endParaRPr kumimoji="1" lang="ja-JP" altLang="en-US"/>
           </a:p>
@@ -973,7 +973,7 @@
           <a:p>
             <a:fld id="{901FD508-957D-4871-83BC-2C400027228D}" type="datetimeFigureOut">
               <a:rPr kumimoji="1" lang="ja-JP" altLang="en-US" smtClean="0"/>
-              <a:t>2024/1/10</a:t>
+              <a:t>2024/1/17</a:t>
             </a:fld>
             <a:endParaRPr kumimoji="1" lang="ja-JP" altLang="en-US"/>
           </a:p>
@@ -1231,7 +1231,7 @@
           <a:p>
             <a:fld id="{901FD508-957D-4871-83BC-2C400027228D}" type="datetimeFigureOut">
               <a:rPr kumimoji="1" lang="ja-JP" altLang="en-US" smtClean="0"/>
-              <a:t>2024/1/10</a:t>
+              <a:t>2024/1/17</a:t>
             </a:fld>
             <a:endParaRPr kumimoji="1" lang="ja-JP" altLang="en-US"/>
           </a:p>
@@ -1583,7 +1583,7 @@
           <a:p>
             <a:fld id="{901FD508-957D-4871-83BC-2C400027228D}" type="datetimeFigureOut">
               <a:rPr kumimoji="1" lang="ja-JP" altLang="en-US" smtClean="0"/>
-              <a:t>2024/1/10</a:t>
+              <a:t>2024/1/17</a:t>
             </a:fld>
             <a:endParaRPr kumimoji="1" lang="ja-JP" altLang="en-US"/>
           </a:p>
@@ -2089,7 +2089,7 @@
           <a:p>
             <a:fld id="{901FD508-957D-4871-83BC-2C400027228D}" type="datetimeFigureOut">
               <a:rPr kumimoji="1" lang="ja-JP" altLang="en-US" smtClean="0"/>
-              <a:t>2024/1/10</a:t>
+              <a:t>2024/1/17</a:t>
             </a:fld>
             <a:endParaRPr kumimoji="1" lang="ja-JP" altLang="en-US"/>
           </a:p>
@@ -2207,7 +2207,7 @@
           <a:p>
             <a:fld id="{901FD508-957D-4871-83BC-2C400027228D}" type="datetimeFigureOut">
               <a:rPr kumimoji="1" lang="ja-JP" altLang="en-US" smtClean="0"/>
-              <a:t>2024/1/10</a:t>
+              <a:t>2024/1/17</a:t>
             </a:fld>
             <a:endParaRPr kumimoji="1" lang="ja-JP" altLang="en-US"/>
           </a:p>
@@ -2302,7 +2302,7 @@
           <a:p>
             <a:fld id="{901FD508-957D-4871-83BC-2C400027228D}" type="datetimeFigureOut">
               <a:rPr kumimoji="1" lang="ja-JP" altLang="en-US" smtClean="0"/>
-              <a:t>2024/1/10</a:t>
+              <a:t>2024/1/17</a:t>
             </a:fld>
             <a:endParaRPr kumimoji="1" lang="ja-JP" altLang="en-US"/>
           </a:p>
@@ -2622,7 +2622,7 @@
           <a:p>
             <a:fld id="{901FD508-957D-4871-83BC-2C400027228D}" type="datetimeFigureOut">
               <a:rPr kumimoji="1" lang="ja-JP" altLang="en-US" smtClean="0"/>
-              <a:t>2024/1/10</a:t>
+              <a:t>2024/1/17</a:t>
             </a:fld>
             <a:endParaRPr kumimoji="1" lang="ja-JP" altLang="en-US"/>
           </a:p>
@@ -2895,7 +2895,7 @@
           <a:p>
             <a:fld id="{901FD508-957D-4871-83BC-2C400027228D}" type="datetimeFigureOut">
               <a:rPr kumimoji="1" lang="ja-JP" altLang="en-US" smtClean="0"/>
-              <a:t>2024/1/10</a:t>
+              <a:t>2024/1/17</a:t>
             </a:fld>
             <a:endParaRPr kumimoji="1" lang="ja-JP" altLang="en-US"/>
           </a:p>
@@ -3224,7 +3224,7 @@
           <a:p>
             <a:fld id="{901FD508-957D-4871-83BC-2C400027228D}" type="datetimeFigureOut">
               <a:rPr kumimoji="1" lang="ja-JP" altLang="en-US" smtClean="0"/>
-              <a:t>2024/1/10</a:t>
+              <a:t>2024/1/17</a:t>
             </a:fld>
             <a:endParaRPr kumimoji="1" lang="ja-JP" altLang="en-US"/>
           </a:p>
@@ -4420,7 +4420,7 @@
         </p:nvSpPr>
         <p:spPr>
           <a:xfrm>
-            <a:off x="812419" y="3105833"/>
+            <a:off x="835568" y="3798329"/>
             <a:ext cx="3354465" cy="646331"/>
           </a:xfrm>
           <a:prstGeom prst="rect">
@@ -4657,7 +4657,7 @@
                 <a:latin typeface="BIZ UDP明朝 Medium" panose="02020500000000000000" pitchFamily="18" charset="-128"/>
                 <a:ea typeface="BIZ UDP明朝 Medium" panose="02020500000000000000" pitchFamily="18" charset="-128"/>
               </a:rPr>
-              <a:t>Enter</a:t>
+              <a:t>A</a:t>
             </a:r>
             <a:r>
               <a:rPr kumimoji="1" lang="ja-JP" altLang="en-US" dirty="0">
@@ -4891,8 +4891,8 @@
         </p:nvSpPr>
         <p:spPr>
           <a:xfrm>
-            <a:off x="5918503" y="5264832"/>
-            <a:ext cx="2011434" cy="369332"/>
+            <a:off x="6150636" y="5215931"/>
+            <a:ext cx="1547168" cy="369332"/>
           </a:xfrm>
           <a:prstGeom prst="rect">
             <a:avLst/>
@@ -4910,7 +4910,7 @@
                 <a:latin typeface="BIZ UDP明朝 Medium" panose="02020500000000000000" pitchFamily="18" charset="-128"/>
                 <a:ea typeface="BIZ UDP明朝 Medium" panose="02020500000000000000" pitchFamily="18" charset="-128"/>
               </a:rPr>
-              <a:t>Enter</a:t>
+              <a:t>A</a:t>
             </a:r>
             <a:r>
               <a:rPr kumimoji="1" lang="ja-JP" altLang="en-US" dirty="0">
@@ -4938,10 +4938,10 @@
       </p:sp>
       <p:pic>
         <p:nvPicPr>
-          <p:cNvPr id="16" name="図 15">
+          <p:cNvPr id="3" name="図 2">
             <a:extLst>
               <a:ext uri="{FF2B5EF4-FFF2-40B4-BE49-F238E27FC236}">
-                <a16:creationId xmlns:a16="http://schemas.microsoft.com/office/drawing/2014/main" id="{7B480010-C6C4-4809-B96F-26EF418326AB}"/>
+                <a16:creationId xmlns:a16="http://schemas.microsoft.com/office/drawing/2014/main" id="{E1C7852E-BC52-483A-95F2-34F3713103A5}"/>
               </a:ext>
             </a:extLst>
           </p:cNvPr>
@@ -4950,7 +4950,7 @@
           </p:cNvPicPr>
           <p:nvPr/>
         </p:nvPicPr>
-        <p:blipFill rotWithShape="1">
+        <p:blipFill>
           <a:blip r:embed="rId4">
             <a:extLst>
               <a:ext uri="{28A0092B-C50C-407E-A947-70E740481C1C}">
@@ -4958,25 +4958,185 @@
               </a:ext>
             </a:extLst>
           </a:blip>
-          <a:srcRect l="21803" t="11646" r="23042" b="11898"/>
-          <a:stretch/>
+          <a:stretch>
+            <a:fillRect/>
+          </a:stretch>
         </p:blipFill>
         <p:spPr>
           <a:xfrm>
-            <a:off x="3781212" y="4892526"/>
-            <a:ext cx="912303" cy="1113945"/>
+            <a:off x="3890861" y="2683256"/>
+            <a:ext cx="693006" cy="704954"/>
           </a:xfrm>
           <a:prstGeom prst="rect">
             <a:avLst/>
           </a:prstGeom>
         </p:spPr>
       </p:pic>
+      <p:sp>
+        <p:nvSpPr>
+          <p:cNvPr id="5" name="テキスト ボックス 4">
+            <a:extLst>
+              <a:ext uri="{FF2B5EF4-FFF2-40B4-BE49-F238E27FC236}">
+                <a16:creationId xmlns:a16="http://schemas.microsoft.com/office/drawing/2014/main" id="{827CA99A-969E-4F7A-8CC4-005EF8E680FF}"/>
+              </a:ext>
+            </a:extLst>
+          </p:cNvPr>
+          <p:cNvSpPr txBox="1"/>
+          <p:nvPr/>
+        </p:nvSpPr>
+        <p:spPr>
+          <a:xfrm>
+            <a:off x="5736517" y="1247939"/>
+            <a:ext cx="2375407" cy="923330"/>
+          </a:xfrm>
+          <a:prstGeom prst="rect">
+            <a:avLst/>
+          </a:prstGeom>
+          <a:noFill/>
+        </p:spPr>
+        <p:txBody>
+          <a:bodyPr wrap="square" rtlCol="0">
+            <a:spAutoFit/>
+          </a:bodyPr>
+          <a:lstStyle/>
+          <a:p>
+            <a:r>
+              <a:rPr kumimoji="1" lang="ja-JP" altLang="en-US" dirty="0">
+                <a:latin typeface="BIZ UDP明朝 Medium" panose="02020500000000000000" pitchFamily="18" charset="-128"/>
+                <a:ea typeface="BIZ UDP明朝 Medium" panose="02020500000000000000" pitchFamily="18" charset="-128"/>
+              </a:rPr>
+              <a:t>左右キー</a:t>
+            </a:r>
+            <a:r>
+              <a:rPr kumimoji="1" lang="en-US" altLang="ja-JP" dirty="0">
+                <a:latin typeface="BIZ UDP明朝 Medium" panose="02020500000000000000" pitchFamily="18" charset="-128"/>
+                <a:ea typeface="BIZ UDP明朝 Medium" panose="02020500000000000000" pitchFamily="18" charset="-128"/>
+              </a:rPr>
+              <a:t>…  </a:t>
+            </a:r>
+            <a:r>
+              <a:rPr kumimoji="1" lang="ja-JP" altLang="en-US" dirty="0">
+                <a:latin typeface="BIZ UDP明朝 Medium" panose="02020500000000000000" pitchFamily="18" charset="-128"/>
+                <a:ea typeface="BIZ UDP明朝 Medium" panose="02020500000000000000" pitchFamily="18" charset="-128"/>
+              </a:rPr>
+              <a:t>左右移動</a:t>
+            </a:r>
+            <a:endParaRPr kumimoji="1" lang="en-US" altLang="ja-JP" dirty="0">
+              <a:latin typeface="BIZ UDP明朝 Medium" panose="02020500000000000000" pitchFamily="18" charset="-128"/>
+              <a:ea typeface="BIZ UDP明朝 Medium" panose="02020500000000000000" pitchFamily="18" charset="-128"/>
+            </a:endParaRPr>
+          </a:p>
+          <a:p>
+            <a:r>
+              <a:rPr kumimoji="1" lang="ja-JP" altLang="en-US" dirty="0">
+                <a:latin typeface="BIZ UDP明朝 Medium" panose="02020500000000000000" pitchFamily="18" charset="-128"/>
+                <a:ea typeface="BIZ UDP明朝 Medium" panose="02020500000000000000" pitchFamily="18" charset="-128"/>
+              </a:rPr>
+              <a:t>  上キー</a:t>
+            </a:r>
+            <a:r>
+              <a:rPr kumimoji="1" lang="en-US" altLang="ja-JP" dirty="0">
+                <a:latin typeface="BIZ UDP明朝 Medium" panose="02020500000000000000" pitchFamily="18" charset="-128"/>
+                <a:ea typeface="BIZ UDP明朝 Medium" panose="02020500000000000000" pitchFamily="18" charset="-128"/>
+              </a:rPr>
+              <a:t>…    </a:t>
+            </a:r>
+            <a:r>
+              <a:rPr kumimoji="1" lang="ja-JP" altLang="en-US" dirty="0">
+                <a:latin typeface="BIZ UDP明朝 Medium" panose="02020500000000000000" pitchFamily="18" charset="-128"/>
+                <a:ea typeface="BIZ UDP明朝 Medium" panose="02020500000000000000" pitchFamily="18" charset="-128"/>
+              </a:rPr>
+              <a:t>上向き</a:t>
+            </a:r>
+            <a:endParaRPr kumimoji="1" lang="en-US" altLang="ja-JP" dirty="0">
+              <a:latin typeface="BIZ UDP明朝 Medium" panose="02020500000000000000" pitchFamily="18" charset="-128"/>
+              <a:ea typeface="BIZ UDP明朝 Medium" panose="02020500000000000000" pitchFamily="18" charset="-128"/>
+            </a:endParaRPr>
+          </a:p>
+          <a:p>
+            <a:r>
+              <a:rPr kumimoji="1" lang="ja-JP" altLang="en-US" dirty="0">
+                <a:latin typeface="BIZ UDP明朝 Medium" panose="02020500000000000000" pitchFamily="18" charset="-128"/>
+                <a:ea typeface="BIZ UDP明朝 Medium" panose="02020500000000000000" pitchFamily="18" charset="-128"/>
+              </a:rPr>
+              <a:t>  下キー</a:t>
+            </a:r>
+            <a:r>
+              <a:rPr kumimoji="1" lang="en-US" altLang="ja-JP" dirty="0">
+                <a:latin typeface="BIZ UDP明朝 Medium" panose="02020500000000000000" pitchFamily="18" charset="-128"/>
+                <a:ea typeface="BIZ UDP明朝 Medium" panose="02020500000000000000" pitchFamily="18" charset="-128"/>
+              </a:rPr>
+              <a:t>…    </a:t>
+            </a:r>
+            <a:r>
+              <a:rPr kumimoji="1" lang="ja-JP" altLang="en-US" dirty="0">
+                <a:latin typeface="BIZ UDP明朝 Medium" panose="02020500000000000000" pitchFamily="18" charset="-128"/>
+                <a:ea typeface="BIZ UDP明朝 Medium" panose="02020500000000000000" pitchFamily="18" charset="-128"/>
+              </a:rPr>
+              <a:t>しゃがむ</a:t>
+            </a:r>
+            <a:endParaRPr kumimoji="1" lang="en-US" altLang="ja-JP" dirty="0">
+              <a:latin typeface="BIZ UDP明朝 Medium" panose="02020500000000000000" pitchFamily="18" charset="-128"/>
+              <a:ea typeface="BIZ UDP明朝 Medium" panose="02020500000000000000" pitchFamily="18" charset="-128"/>
+            </a:endParaRPr>
+          </a:p>
+        </p:txBody>
+      </p:sp>
+      <p:sp>
+        <p:nvSpPr>
+          <p:cNvPr id="7" name="テキスト ボックス 6">
+            <a:extLst>
+              <a:ext uri="{FF2B5EF4-FFF2-40B4-BE49-F238E27FC236}">
+                <a16:creationId xmlns:a16="http://schemas.microsoft.com/office/drawing/2014/main" id="{9905B841-E81A-4F8A-BF9A-44ECF644C37B}"/>
+              </a:ext>
+            </a:extLst>
+          </p:cNvPr>
+          <p:cNvSpPr txBox="1"/>
+          <p:nvPr/>
+        </p:nvSpPr>
+        <p:spPr>
+          <a:xfrm>
+            <a:off x="5813052" y="2851067"/>
+            <a:ext cx="2222339" cy="369332"/>
+          </a:xfrm>
+          <a:prstGeom prst="rect">
+            <a:avLst/>
+          </a:prstGeom>
+          <a:noFill/>
+        </p:spPr>
+        <p:txBody>
+          <a:bodyPr wrap="square" rtlCol="0">
+            <a:spAutoFit/>
+          </a:bodyPr>
+          <a:lstStyle/>
+          <a:p>
+            <a:r>
+              <a:rPr kumimoji="1" lang="en-US" altLang="ja-JP" dirty="0">
+                <a:latin typeface="BIZ UDP明朝 Medium" panose="02020500000000000000" pitchFamily="18" charset="-128"/>
+                <a:ea typeface="BIZ UDP明朝 Medium" panose="02020500000000000000" pitchFamily="18" charset="-128"/>
+              </a:rPr>
+              <a:t>Z</a:t>
+            </a:r>
+            <a:r>
+              <a:rPr kumimoji="1" lang="ja-JP" altLang="en-US" dirty="0">
+                <a:latin typeface="BIZ UDP明朝 Medium" panose="02020500000000000000" pitchFamily="18" charset="-128"/>
+                <a:ea typeface="BIZ UDP明朝 Medium" panose="02020500000000000000" pitchFamily="18" charset="-128"/>
+              </a:rPr>
+              <a:t>キー・・・    ジャンプ</a:t>
+            </a:r>
+            <a:endParaRPr kumimoji="1" lang="en-US" altLang="ja-JP" dirty="0">
+              <a:latin typeface="BIZ UDP明朝 Medium" panose="02020500000000000000" pitchFamily="18" charset="-128"/>
+              <a:ea typeface="BIZ UDP明朝 Medium" panose="02020500000000000000" pitchFamily="18" charset="-128"/>
+            </a:endParaRPr>
+          </a:p>
+        </p:txBody>
+      </p:sp>
       <p:pic>
         <p:nvPicPr>
-          <p:cNvPr id="3" name="図 2">
+          <p:cNvPr id="10" name="図 9">
             <a:extLst>
               <a:ext uri="{FF2B5EF4-FFF2-40B4-BE49-F238E27FC236}">
-                <a16:creationId xmlns:a16="http://schemas.microsoft.com/office/drawing/2014/main" id="{E1C7852E-BC52-483A-95F2-34F3713103A5}"/>
+                <a16:creationId xmlns:a16="http://schemas.microsoft.com/office/drawing/2014/main" id="{40F78AB7-D01D-4AA9-961E-0142ED223326}"/>
               </a:ext>
             </a:extLst>
           </p:cNvPr>
@@ -4999,8 +5159,8 @@
         </p:blipFill>
         <p:spPr>
           <a:xfrm>
-            <a:off x="3890861" y="2683256"/>
-            <a:ext cx="693006" cy="704954"/>
+            <a:off x="3044071" y="3866048"/>
+            <a:ext cx="2386584" cy="548640"/>
           </a:xfrm>
           <a:prstGeom prst="rect">
             <a:avLst/>
@@ -5009,10 +5169,10 @@
       </p:pic>
       <p:sp>
         <p:nvSpPr>
-          <p:cNvPr id="5" name="テキスト ボックス 4">
+          <p:cNvPr id="11" name="テキスト ボックス 10">
             <a:extLst>
               <a:ext uri="{FF2B5EF4-FFF2-40B4-BE49-F238E27FC236}">
-                <a16:creationId xmlns:a16="http://schemas.microsoft.com/office/drawing/2014/main" id="{827CA99A-969E-4F7A-8CC4-005EF8E680FF}"/>
+                <a16:creationId xmlns:a16="http://schemas.microsoft.com/office/drawing/2014/main" id="{462B8EE0-EA10-4988-81DD-339957A5BB3A}"/>
               </a:ext>
             </a:extLst>
           </p:cNvPr>
@@ -5021,8 +5181,8 @@
         </p:nvSpPr>
         <p:spPr>
           <a:xfrm>
-            <a:off x="5736517" y="1247939"/>
-            <a:ext cx="2375407" cy="923330"/>
+            <a:off x="5857420" y="3935600"/>
+            <a:ext cx="2133600" cy="369332"/>
           </a:xfrm>
           <a:prstGeom prst="rect">
             <a:avLst/>
@@ -5036,142 +5196,46 @@
           <a:lstStyle/>
           <a:p>
             <a:r>
+              <a:rPr kumimoji="1" lang="en-US" altLang="ja-JP" dirty="0">
+                <a:latin typeface="BIZ UDP明朝 Medium" panose="02020500000000000000" pitchFamily="18" charset="-128"/>
+                <a:ea typeface="BIZ UDP明朝 Medium" panose="02020500000000000000" pitchFamily="18" charset="-128"/>
+              </a:rPr>
+              <a:t>Space</a:t>
+            </a:r>
+            <a:r>
               <a:rPr kumimoji="1" lang="ja-JP" altLang="en-US" dirty="0">
                 <a:latin typeface="BIZ UDP明朝 Medium" panose="02020500000000000000" pitchFamily="18" charset="-128"/>
                 <a:ea typeface="BIZ UDP明朝 Medium" panose="02020500000000000000" pitchFamily="18" charset="-128"/>
               </a:rPr>
-              <a:t>左右キー</a:t>
+              <a:t>キー</a:t>
             </a:r>
             <a:r>
               <a:rPr kumimoji="1" lang="en-US" altLang="ja-JP" dirty="0">
                 <a:latin typeface="BIZ UDP明朝 Medium" panose="02020500000000000000" pitchFamily="18" charset="-128"/>
                 <a:ea typeface="BIZ UDP明朝 Medium" panose="02020500000000000000" pitchFamily="18" charset="-128"/>
               </a:rPr>
-              <a:t>…  </a:t>
+              <a:t>…</a:t>
             </a:r>
             <a:r>
               <a:rPr kumimoji="1" lang="ja-JP" altLang="en-US" dirty="0">
                 <a:latin typeface="BIZ UDP明朝 Medium" panose="02020500000000000000" pitchFamily="18" charset="-128"/>
                 <a:ea typeface="BIZ UDP明朝 Medium" panose="02020500000000000000" pitchFamily="18" charset="-128"/>
               </a:rPr>
-              <a:t>左右移動</a:t>
+              <a:t>攻撃</a:t>
             </a:r>
             <a:endParaRPr kumimoji="1" lang="en-US" altLang="ja-JP" dirty="0">
               <a:latin typeface="BIZ UDP明朝 Medium" panose="02020500000000000000" pitchFamily="18" charset="-128"/>
               <a:ea typeface="BIZ UDP明朝 Medium" panose="02020500000000000000" pitchFamily="18" charset="-128"/>
             </a:endParaRPr>
           </a:p>
-          <a:p>
-            <a:r>
-              <a:rPr kumimoji="1" lang="ja-JP" altLang="en-US" dirty="0">
-                <a:latin typeface="BIZ UDP明朝 Medium" panose="02020500000000000000" pitchFamily="18" charset="-128"/>
-                <a:ea typeface="BIZ UDP明朝 Medium" panose="02020500000000000000" pitchFamily="18" charset="-128"/>
-              </a:rPr>
-              <a:t>  上キー</a:t>
-            </a:r>
-            <a:r>
-              <a:rPr kumimoji="1" lang="en-US" altLang="ja-JP" dirty="0">
-                <a:latin typeface="BIZ UDP明朝 Medium" panose="02020500000000000000" pitchFamily="18" charset="-128"/>
-                <a:ea typeface="BIZ UDP明朝 Medium" panose="02020500000000000000" pitchFamily="18" charset="-128"/>
-              </a:rPr>
-              <a:t>…    </a:t>
-            </a:r>
-            <a:r>
-              <a:rPr kumimoji="1" lang="ja-JP" altLang="en-US" dirty="0">
-                <a:latin typeface="BIZ UDP明朝 Medium" panose="02020500000000000000" pitchFamily="18" charset="-128"/>
-                <a:ea typeface="BIZ UDP明朝 Medium" panose="02020500000000000000" pitchFamily="18" charset="-128"/>
-              </a:rPr>
-              <a:t>上向き</a:t>
-            </a:r>
-            <a:endParaRPr kumimoji="1" lang="en-US" altLang="ja-JP" dirty="0">
-              <a:latin typeface="BIZ UDP明朝 Medium" panose="02020500000000000000" pitchFamily="18" charset="-128"/>
-              <a:ea typeface="BIZ UDP明朝 Medium" panose="02020500000000000000" pitchFamily="18" charset="-128"/>
-            </a:endParaRPr>
-          </a:p>
-          <a:p>
-            <a:r>
-              <a:rPr kumimoji="1" lang="ja-JP" altLang="en-US" dirty="0">
-                <a:latin typeface="BIZ UDP明朝 Medium" panose="02020500000000000000" pitchFamily="18" charset="-128"/>
-                <a:ea typeface="BIZ UDP明朝 Medium" panose="02020500000000000000" pitchFamily="18" charset="-128"/>
-              </a:rPr>
-              <a:t>  下キー</a:t>
-            </a:r>
-            <a:r>
-              <a:rPr kumimoji="1" lang="en-US" altLang="ja-JP" dirty="0">
-                <a:latin typeface="BIZ UDP明朝 Medium" panose="02020500000000000000" pitchFamily="18" charset="-128"/>
-                <a:ea typeface="BIZ UDP明朝 Medium" panose="02020500000000000000" pitchFamily="18" charset="-128"/>
-              </a:rPr>
-              <a:t>…    </a:t>
-            </a:r>
-            <a:r>
-              <a:rPr kumimoji="1" lang="ja-JP" altLang="en-US" dirty="0">
-                <a:latin typeface="BIZ UDP明朝 Medium" panose="02020500000000000000" pitchFamily="18" charset="-128"/>
-                <a:ea typeface="BIZ UDP明朝 Medium" panose="02020500000000000000" pitchFamily="18" charset="-128"/>
-              </a:rPr>
-              <a:t>しゃがむ</a:t>
-            </a:r>
-            <a:endParaRPr kumimoji="1" lang="en-US" altLang="ja-JP" dirty="0">
-              <a:latin typeface="BIZ UDP明朝 Medium" panose="02020500000000000000" pitchFamily="18" charset="-128"/>
-              <a:ea typeface="BIZ UDP明朝 Medium" panose="02020500000000000000" pitchFamily="18" charset="-128"/>
-            </a:endParaRPr>
-          </a:p>
-        </p:txBody>
-      </p:sp>
-      <p:sp>
-        <p:nvSpPr>
-          <p:cNvPr id="7" name="テキスト ボックス 6">
+        </p:txBody>
+      </p:sp>
+      <p:pic>
+        <p:nvPicPr>
+          <p:cNvPr id="8" name="図 7">
             <a:extLst>
               <a:ext uri="{FF2B5EF4-FFF2-40B4-BE49-F238E27FC236}">
-                <a16:creationId xmlns:a16="http://schemas.microsoft.com/office/drawing/2014/main" id="{9905B841-E81A-4F8A-BF9A-44ECF644C37B}"/>
-              </a:ext>
-            </a:extLst>
-          </p:cNvPr>
-          <p:cNvSpPr txBox="1"/>
-          <p:nvPr/>
-        </p:nvSpPr>
-        <p:spPr>
-          <a:xfrm>
-            <a:off x="5813052" y="2851067"/>
-            <a:ext cx="2222339" cy="369332"/>
-          </a:xfrm>
-          <a:prstGeom prst="rect">
-            <a:avLst/>
-          </a:prstGeom>
-          <a:noFill/>
-        </p:spPr>
-        <p:txBody>
-          <a:bodyPr wrap="square" rtlCol="0">
-            <a:spAutoFit/>
-          </a:bodyPr>
-          <a:lstStyle/>
-          <a:p>
-            <a:r>
-              <a:rPr kumimoji="1" lang="en-US" altLang="ja-JP" dirty="0">
-                <a:latin typeface="BIZ UDP明朝 Medium" panose="02020500000000000000" pitchFamily="18" charset="-128"/>
-                <a:ea typeface="BIZ UDP明朝 Medium" panose="02020500000000000000" pitchFamily="18" charset="-128"/>
-              </a:rPr>
-              <a:t>Z</a:t>
-            </a:r>
-            <a:r>
-              <a:rPr kumimoji="1" lang="ja-JP" altLang="en-US" dirty="0">
-                <a:latin typeface="BIZ UDP明朝 Medium" panose="02020500000000000000" pitchFamily="18" charset="-128"/>
-                <a:ea typeface="BIZ UDP明朝 Medium" panose="02020500000000000000" pitchFamily="18" charset="-128"/>
-              </a:rPr>
-              <a:t>キー・・・    ジャンプ</a:t>
-            </a:r>
-            <a:endParaRPr kumimoji="1" lang="en-US" altLang="ja-JP" dirty="0">
-              <a:latin typeface="BIZ UDP明朝 Medium" panose="02020500000000000000" pitchFamily="18" charset="-128"/>
-              <a:ea typeface="BIZ UDP明朝 Medium" panose="02020500000000000000" pitchFamily="18" charset="-128"/>
-            </a:endParaRPr>
-          </a:p>
-        </p:txBody>
-      </p:sp>
-      <p:pic>
-        <p:nvPicPr>
-          <p:cNvPr id="10" name="図 9">
-            <a:extLst>
-              <a:ext uri="{FF2B5EF4-FFF2-40B4-BE49-F238E27FC236}">
-                <a16:creationId xmlns:a16="http://schemas.microsoft.com/office/drawing/2014/main" id="{40F78AB7-D01D-4AA9-961E-0142ED223326}"/>
+                <a16:creationId xmlns:a16="http://schemas.microsoft.com/office/drawing/2014/main" id="{FD69937A-EF5E-4FF2-B4AE-826ABEC7924E}"/>
               </a:ext>
             </a:extLst>
           </p:cNvPr>
@@ -5194,77 +5258,14 @@
         </p:blipFill>
         <p:spPr>
           <a:xfrm>
-            <a:off x="3044071" y="3866048"/>
-            <a:ext cx="2386584" cy="548640"/>
+            <a:off x="3932563" y="5094455"/>
+            <a:ext cx="609600" cy="647700"/>
           </a:xfrm>
           <a:prstGeom prst="rect">
             <a:avLst/>
           </a:prstGeom>
         </p:spPr>
       </p:pic>
-      <p:sp>
-        <p:nvSpPr>
-          <p:cNvPr id="11" name="テキスト ボックス 10">
-            <a:extLst>
-              <a:ext uri="{FF2B5EF4-FFF2-40B4-BE49-F238E27FC236}">
-                <a16:creationId xmlns:a16="http://schemas.microsoft.com/office/drawing/2014/main" id="{462B8EE0-EA10-4988-81DD-339957A5BB3A}"/>
-              </a:ext>
-            </a:extLst>
-          </p:cNvPr>
-          <p:cNvSpPr txBox="1"/>
-          <p:nvPr/>
-        </p:nvSpPr>
-        <p:spPr>
-          <a:xfrm>
-            <a:off x="5857420" y="3935600"/>
-            <a:ext cx="2133600" cy="369332"/>
-          </a:xfrm>
-          <a:prstGeom prst="rect">
-            <a:avLst/>
-          </a:prstGeom>
-          <a:noFill/>
-        </p:spPr>
-        <p:txBody>
-          <a:bodyPr wrap="square" rtlCol="0">
-            <a:spAutoFit/>
-          </a:bodyPr>
-          <a:lstStyle/>
-          <a:p>
-            <a:r>
-              <a:rPr kumimoji="1" lang="en-US" altLang="ja-JP" dirty="0">
-                <a:latin typeface="BIZ UDP明朝 Medium" panose="02020500000000000000" pitchFamily="18" charset="-128"/>
-                <a:ea typeface="BIZ UDP明朝 Medium" panose="02020500000000000000" pitchFamily="18" charset="-128"/>
-              </a:rPr>
-              <a:t>Space</a:t>
-            </a:r>
-            <a:r>
-              <a:rPr kumimoji="1" lang="ja-JP" altLang="en-US" dirty="0">
-                <a:latin typeface="BIZ UDP明朝 Medium" panose="02020500000000000000" pitchFamily="18" charset="-128"/>
-                <a:ea typeface="BIZ UDP明朝 Medium" panose="02020500000000000000" pitchFamily="18" charset="-128"/>
-              </a:rPr>
-              <a:t>キー</a:t>
-            </a:r>
-            <a:r>
-              <a:rPr kumimoji="1" lang="en-US" altLang="ja-JP" dirty="0">
-                <a:latin typeface="BIZ UDP明朝 Medium" panose="02020500000000000000" pitchFamily="18" charset="-128"/>
-                <a:ea typeface="BIZ UDP明朝 Medium" panose="02020500000000000000" pitchFamily="18" charset="-128"/>
-              </a:rPr>
-              <a:t>…</a:t>
-            </a:r>
-            <a:r>
-              <a:rPr kumimoji="1" lang="ja-JP" altLang="en-US" dirty="0">
-                <a:latin typeface="BIZ UDP明朝 Medium" panose="02020500000000000000" pitchFamily="18" charset="-128"/>
-                <a:ea typeface="BIZ UDP明朝 Medium" panose="02020500000000000000" pitchFamily="18" charset="-128"/>
-              </a:rPr>
-              <a:t>攻撃</a:t>
-            </a:r>
-            <a:endParaRPr kumimoji="1" lang="en-US" altLang="ja-JP" dirty="0">
-              <a:latin typeface="BIZ UDP明朝 Medium" panose="02020500000000000000" pitchFamily="18" charset="-128"/>
-              <a:ea typeface="BIZ UDP明朝 Medium" panose="02020500000000000000" pitchFamily="18" charset="-128"/>
-            </a:endParaRPr>
-          </a:p>
-        </p:txBody>
-      </p:sp>
     </p:spTree>
     <p:extLst>
       <p:ext uri="{BB962C8B-B14F-4D97-AF65-F5344CB8AC3E}">
@@ -5341,6 +5342,1526 @@
       </p:sp>
       <p:sp>
         <p:nvSpPr>
+          <p:cNvPr id="8" name="矢印: 右 7">
+            <a:extLst>
+              <a:ext uri="{FF2B5EF4-FFF2-40B4-BE49-F238E27FC236}">
+                <a16:creationId xmlns:a16="http://schemas.microsoft.com/office/drawing/2014/main" id="{7EF3D930-56FC-4489-8522-1E18245B3B28}"/>
+              </a:ext>
+            </a:extLst>
+          </p:cNvPr>
+          <p:cNvSpPr/>
+          <p:nvPr/>
+        </p:nvSpPr>
+        <p:spPr>
+          <a:xfrm>
+            <a:off x="3640685" y="2033726"/>
+            <a:ext cx="694481" cy="486931"/>
+          </a:xfrm>
+          <a:prstGeom prst="rightArrow">
+            <a:avLst/>
+          </a:prstGeom>
+        </p:spPr>
+        <p:style>
+          <a:lnRef idx="2">
+            <a:schemeClr val="dk1">
+              <a:shade val="50000"/>
+            </a:schemeClr>
+          </a:lnRef>
+          <a:fillRef idx="1">
+            <a:schemeClr val="dk1"/>
+          </a:fillRef>
+          <a:effectRef idx="0">
+            <a:schemeClr val="dk1"/>
+          </a:effectRef>
+          <a:fontRef idx="minor">
+            <a:schemeClr val="lt1"/>
+          </a:fontRef>
+        </p:style>
+        <p:txBody>
+          <a:bodyPr rtlCol="0" anchor="ctr"/>
+          <a:lstStyle/>
+          <a:p>
+            <a:pPr algn="ctr"/>
+            <a:endParaRPr kumimoji="1" lang="ja-JP" altLang="en-US"/>
+          </a:p>
+        </p:txBody>
+      </p:sp>
+      <p:sp>
+        <p:nvSpPr>
+          <p:cNvPr id="9" name="正方形/長方形 8">
+            <a:extLst>
+              <a:ext uri="{FF2B5EF4-FFF2-40B4-BE49-F238E27FC236}">
+                <a16:creationId xmlns:a16="http://schemas.microsoft.com/office/drawing/2014/main" id="{BBA8337C-63AE-4D2E-8C26-5A224BE89B5E}"/>
+              </a:ext>
+            </a:extLst>
+          </p:cNvPr>
+          <p:cNvSpPr/>
+          <p:nvPr/>
+        </p:nvSpPr>
+        <p:spPr>
+          <a:xfrm>
+            <a:off x="365049" y="3536319"/>
+            <a:ext cx="2847373" cy="1527858"/>
+          </a:xfrm>
+          <a:prstGeom prst="rect">
+            <a:avLst/>
+          </a:prstGeom>
+        </p:spPr>
+        <p:style>
+          <a:lnRef idx="1">
+            <a:schemeClr val="dk1"/>
+          </a:lnRef>
+          <a:fillRef idx="2">
+            <a:schemeClr val="dk1"/>
+          </a:fillRef>
+          <a:effectRef idx="1">
+            <a:schemeClr val="dk1"/>
+          </a:effectRef>
+          <a:fontRef idx="minor">
+            <a:schemeClr val="dk1"/>
+          </a:fontRef>
+        </p:style>
+        <p:txBody>
+          <a:bodyPr rtlCol="0" anchor="ctr"/>
+          <a:lstStyle/>
+          <a:p>
+            <a:pPr algn="ctr"/>
+            <a:endParaRPr kumimoji="1" lang="en-US" altLang="ja-JP" b="1" dirty="0"/>
+          </a:p>
+        </p:txBody>
+      </p:sp>
+      <p:sp>
+        <p:nvSpPr>
+          <p:cNvPr id="10" name="テキスト ボックス 9">
+            <a:extLst>
+              <a:ext uri="{FF2B5EF4-FFF2-40B4-BE49-F238E27FC236}">
+                <a16:creationId xmlns:a16="http://schemas.microsoft.com/office/drawing/2014/main" id="{D96CDD08-4E36-4442-9071-F6DF7B2BEC98}"/>
+              </a:ext>
+            </a:extLst>
+          </p:cNvPr>
+          <p:cNvSpPr txBox="1"/>
+          <p:nvPr/>
+        </p:nvSpPr>
+        <p:spPr>
+          <a:xfrm>
+            <a:off x="793312" y="3715473"/>
+            <a:ext cx="1990845" cy="584775"/>
+          </a:xfrm>
+          <a:prstGeom prst="rect">
+            <a:avLst/>
+          </a:prstGeom>
+          <a:noFill/>
+        </p:spPr>
+        <p:txBody>
+          <a:bodyPr wrap="square" rtlCol="0">
+            <a:spAutoFit/>
+          </a:bodyPr>
+          <a:lstStyle/>
+          <a:p>
+            <a:pPr algn="ctr"/>
+            <a:r>
+              <a:rPr kumimoji="1" lang="ja-JP" altLang="en-US" sz="3200" dirty="0">
+                <a:latin typeface="BIZ UDP明朝 Medium" panose="02020500000000000000" pitchFamily="18" charset="-128"/>
+                <a:ea typeface="BIZ UDP明朝 Medium" panose="02020500000000000000" pitchFamily="18" charset="-128"/>
+              </a:rPr>
+              <a:t>タイトル</a:t>
+            </a:r>
+          </a:p>
+        </p:txBody>
+      </p:sp>
+      <p:sp>
+        <p:nvSpPr>
+          <p:cNvPr id="19" name="正方形/長方形 18">
+            <a:extLst>
+              <a:ext uri="{FF2B5EF4-FFF2-40B4-BE49-F238E27FC236}">
+                <a16:creationId xmlns:a16="http://schemas.microsoft.com/office/drawing/2014/main" id="{9F9B769A-19ED-42C3-B9ED-07A3D99B719F}"/>
+              </a:ext>
+            </a:extLst>
+          </p:cNvPr>
+          <p:cNvSpPr/>
+          <p:nvPr/>
+        </p:nvSpPr>
+        <p:spPr>
+          <a:xfrm>
+            <a:off x="365049" y="1423686"/>
+            <a:ext cx="2847373" cy="1527858"/>
+          </a:xfrm>
+          <a:prstGeom prst="rect">
+            <a:avLst/>
+          </a:prstGeom>
+        </p:spPr>
+        <p:style>
+          <a:lnRef idx="1">
+            <a:schemeClr val="dk1"/>
+          </a:lnRef>
+          <a:fillRef idx="2">
+            <a:schemeClr val="dk1"/>
+          </a:fillRef>
+          <a:effectRef idx="1">
+            <a:schemeClr val="dk1"/>
+          </a:effectRef>
+          <a:fontRef idx="minor">
+            <a:schemeClr val="dk1"/>
+          </a:fontRef>
+        </p:style>
+        <p:txBody>
+          <a:bodyPr rtlCol="0" anchor="ctr"/>
+          <a:lstStyle/>
+          <a:p>
+            <a:pPr algn="ctr"/>
+            <a:endParaRPr kumimoji="1" lang="en-US" altLang="ja-JP" b="1" dirty="0"/>
+          </a:p>
+        </p:txBody>
+      </p:sp>
+      <p:sp>
+        <p:nvSpPr>
+          <p:cNvPr id="20" name="テキスト ボックス 19">
+            <a:extLst>
+              <a:ext uri="{FF2B5EF4-FFF2-40B4-BE49-F238E27FC236}">
+                <a16:creationId xmlns:a16="http://schemas.microsoft.com/office/drawing/2014/main" id="{126B4A9C-09C6-4F4E-8893-B646B7A33611}"/>
+              </a:ext>
+            </a:extLst>
+          </p:cNvPr>
+          <p:cNvSpPr txBox="1"/>
+          <p:nvPr/>
+        </p:nvSpPr>
+        <p:spPr>
+          <a:xfrm>
+            <a:off x="1026516" y="1553659"/>
+            <a:ext cx="1524438" cy="584775"/>
+          </a:xfrm>
+          <a:prstGeom prst="rect">
+            <a:avLst/>
+          </a:prstGeom>
+          <a:noFill/>
+        </p:spPr>
+        <p:txBody>
+          <a:bodyPr wrap="square" rtlCol="0">
+            <a:spAutoFit/>
+          </a:bodyPr>
+          <a:lstStyle/>
+          <a:p>
+            <a:pPr algn="ctr"/>
+            <a:r>
+              <a:rPr kumimoji="1" lang="ja-JP" altLang="en-US" sz="3200" dirty="0">
+                <a:latin typeface="BIZ UDP明朝 Medium" panose="02020500000000000000" pitchFamily="18" charset="-128"/>
+                <a:ea typeface="BIZ UDP明朝 Medium" panose="02020500000000000000" pitchFamily="18" charset="-128"/>
+              </a:rPr>
+              <a:t>タイトル</a:t>
+            </a:r>
+          </a:p>
+        </p:txBody>
+      </p:sp>
+      <p:sp>
+        <p:nvSpPr>
+          <p:cNvPr id="21" name="テキスト ボックス 20">
+            <a:extLst>
+              <a:ext uri="{FF2B5EF4-FFF2-40B4-BE49-F238E27FC236}">
+                <a16:creationId xmlns:a16="http://schemas.microsoft.com/office/drawing/2014/main" id="{459574D5-B09B-47E9-97C3-A00896C8EF8F}"/>
+              </a:ext>
+            </a:extLst>
+          </p:cNvPr>
+          <p:cNvSpPr txBox="1"/>
+          <p:nvPr/>
+        </p:nvSpPr>
+        <p:spPr>
+          <a:xfrm>
+            <a:off x="1318074" y="2138434"/>
+            <a:ext cx="941322" cy="230832"/>
+          </a:xfrm>
+          <a:prstGeom prst="rect">
+            <a:avLst/>
+          </a:prstGeom>
+          <a:ln>
+            <a:headEnd type="none" w="med" len="med"/>
+            <a:tailEnd type="none" w="med" len="med"/>
+          </a:ln>
+        </p:spPr>
+        <p:style>
+          <a:lnRef idx="2">
+            <a:schemeClr val="accent6"/>
+          </a:lnRef>
+          <a:fillRef idx="1">
+            <a:schemeClr val="lt1"/>
+          </a:fillRef>
+          <a:effectRef idx="0">
+            <a:schemeClr val="accent6"/>
+          </a:effectRef>
+          <a:fontRef idx="minor">
+            <a:schemeClr val="dk1"/>
+          </a:fontRef>
+        </p:style>
+        <p:txBody>
+          <a:bodyPr wrap="square" rtlCol="0">
+            <a:spAutoFit/>
+          </a:bodyPr>
+          <a:lstStyle/>
+          <a:p>
+            <a:pPr marL="0" marR="0" lvl="0" indent="0" algn="ctr" defTabSz="914400" rtl="0" eaLnBrk="0" fontAlgn="base" latinLnBrk="0" hangingPunct="0">
+              <a:lnSpc>
+                <a:spcPct val="100000"/>
+              </a:lnSpc>
+              <a:spcBef>
+                <a:spcPct val="0"/>
+              </a:spcBef>
+              <a:spcAft>
+                <a:spcPct val="0"/>
+              </a:spcAft>
+              <a:buClrTx/>
+              <a:buSzTx/>
+              <a:buFontTx/>
+              <a:buNone/>
+              <a:tabLst/>
+            </a:pPr>
+            <a:r>
+              <a:rPr kumimoji="0" lang="ja-JP" altLang="en-US" sz="900" b="0" i="0" u="none" strike="noStrike" cap="none" normalizeH="0" baseline="0" dirty="0">
+                <a:ln>
+                  <a:noFill/>
+                </a:ln>
+                <a:solidFill>
+                  <a:srgbClr val="FF0000"/>
+                </a:solidFill>
+                <a:effectLst/>
+                <a:latin typeface="BIZ UDP明朝 Medium" panose="02020500000000000000" pitchFamily="18" charset="-128"/>
+                <a:ea typeface="BIZ UDP明朝 Medium" panose="02020500000000000000" pitchFamily="18" charset="-128"/>
+              </a:rPr>
+              <a:t>操作説明</a:t>
+            </a:r>
+            <a:endParaRPr kumimoji="0" lang="ja-JP" altLang="ja-JP" sz="700" b="0" i="0" u="none" strike="noStrike" cap="none" normalizeH="0" baseline="0" dirty="0">
+              <a:ln>
+                <a:noFill/>
+              </a:ln>
+              <a:solidFill>
+                <a:srgbClr val="FF0000"/>
+              </a:solidFill>
+              <a:effectLst/>
+              <a:latin typeface="BIZ UDP明朝 Medium" panose="02020500000000000000" pitchFamily="18" charset="-128"/>
+              <a:ea typeface="BIZ UDP明朝 Medium" panose="02020500000000000000" pitchFamily="18" charset="-128"/>
+            </a:endParaRPr>
+          </a:p>
+        </p:txBody>
+      </p:sp>
+      <p:sp>
+        <p:nvSpPr>
+          <p:cNvPr id="22" name="テキスト ボックス 21">
+            <a:extLst>
+              <a:ext uri="{FF2B5EF4-FFF2-40B4-BE49-F238E27FC236}">
+                <a16:creationId xmlns:a16="http://schemas.microsoft.com/office/drawing/2014/main" id="{7FD72BAB-53BB-4761-BE2C-215BE186B33C}"/>
+              </a:ext>
+            </a:extLst>
+          </p:cNvPr>
+          <p:cNvSpPr txBox="1"/>
+          <p:nvPr/>
+        </p:nvSpPr>
+        <p:spPr>
+          <a:xfrm>
+            <a:off x="1318074" y="2405241"/>
+            <a:ext cx="941322" cy="230832"/>
+          </a:xfrm>
+          <a:prstGeom prst="rect">
+            <a:avLst/>
+          </a:prstGeom>
+          <a:ln>
+            <a:headEnd type="none" w="med" len="med"/>
+            <a:tailEnd type="none" w="med" len="med"/>
+          </a:ln>
+        </p:spPr>
+        <p:style>
+          <a:lnRef idx="2">
+            <a:schemeClr val="dk1"/>
+          </a:lnRef>
+          <a:fillRef idx="1">
+            <a:schemeClr val="lt1"/>
+          </a:fillRef>
+          <a:effectRef idx="0">
+            <a:schemeClr val="dk1"/>
+          </a:effectRef>
+          <a:fontRef idx="minor">
+            <a:schemeClr val="dk1"/>
+          </a:fontRef>
+        </p:style>
+        <p:txBody>
+          <a:bodyPr wrap="square" rtlCol="0">
+            <a:spAutoFit/>
+          </a:bodyPr>
+          <a:lstStyle/>
+          <a:p>
+            <a:pPr algn="ctr"/>
+            <a:r>
+              <a:rPr kumimoji="1" lang="ja-JP" altLang="en-US" sz="900" dirty="0">
+                <a:latin typeface="BIZ UDP明朝 Medium" panose="02020500000000000000" pitchFamily="18" charset="-128"/>
+                <a:ea typeface="BIZ UDP明朝 Medium" panose="02020500000000000000" pitchFamily="18" charset="-128"/>
+              </a:rPr>
+              <a:t>ゲームスタート</a:t>
+            </a:r>
+          </a:p>
+        </p:txBody>
+      </p:sp>
+      <p:sp>
+        <p:nvSpPr>
+          <p:cNvPr id="23" name="テキスト ボックス 22">
+            <a:extLst>
+              <a:ext uri="{FF2B5EF4-FFF2-40B4-BE49-F238E27FC236}">
+                <a16:creationId xmlns:a16="http://schemas.microsoft.com/office/drawing/2014/main" id="{94A618D6-C6E9-448E-BA07-EC18C8BA5BA8}"/>
+              </a:ext>
+            </a:extLst>
+          </p:cNvPr>
+          <p:cNvSpPr txBox="1"/>
+          <p:nvPr/>
+        </p:nvSpPr>
+        <p:spPr>
+          <a:xfrm>
+            <a:off x="1318074" y="2670813"/>
+            <a:ext cx="941322" cy="230832"/>
+          </a:xfrm>
+          <a:prstGeom prst="rect">
+            <a:avLst/>
+          </a:prstGeom>
+          <a:ln>
+            <a:headEnd type="none" w="med" len="med"/>
+            <a:tailEnd type="none" w="med" len="med"/>
+          </a:ln>
+        </p:spPr>
+        <p:style>
+          <a:lnRef idx="2">
+            <a:schemeClr val="dk1"/>
+          </a:lnRef>
+          <a:fillRef idx="1">
+            <a:schemeClr val="lt1"/>
+          </a:fillRef>
+          <a:effectRef idx="0">
+            <a:schemeClr val="dk1"/>
+          </a:effectRef>
+          <a:fontRef idx="minor">
+            <a:schemeClr val="dk1"/>
+          </a:fontRef>
+        </p:style>
+        <p:txBody>
+          <a:bodyPr wrap="square" rtlCol="0">
+            <a:spAutoFit/>
+          </a:bodyPr>
+          <a:lstStyle/>
+          <a:p>
+            <a:pPr algn="ctr"/>
+            <a:r>
+              <a:rPr kumimoji="1" lang="ja-JP" altLang="en-US" sz="900" dirty="0">
+                <a:latin typeface="BIZ UDP明朝 Medium" panose="02020500000000000000" pitchFamily="18" charset="-128"/>
+                <a:ea typeface="BIZ UDP明朝 Medium" panose="02020500000000000000" pitchFamily="18" charset="-128"/>
+              </a:rPr>
+              <a:t>ゲームを終わる</a:t>
+            </a:r>
+          </a:p>
+        </p:txBody>
+      </p:sp>
+      <p:sp>
+        <p:nvSpPr>
+          <p:cNvPr id="24" name="正方形/長方形 23">
+            <a:extLst>
+              <a:ext uri="{FF2B5EF4-FFF2-40B4-BE49-F238E27FC236}">
+                <a16:creationId xmlns:a16="http://schemas.microsoft.com/office/drawing/2014/main" id="{49B300E9-F110-4895-B7D3-6D2D2EE7D33C}"/>
+              </a:ext>
+            </a:extLst>
+          </p:cNvPr>
+          <p:cNvSpPr/>
+          <p:nvPr/>
+        </p:nvSpPr>
+        <p:spPr>
+          <a:xfrm>
+            <a:off x="4763429" y="1423686"/>
+            <a:ext cx="2847373" cy="1527858"/>
+          </a:xfrm>
+          <a:prstGeom prst="rect">
+            <a:avLst/>
+          </a:prstGeom>
+        </p:spPr>
+        <p:style>
+          <a:lnRef idx="1">
+            <a:schemeClr val="dk1"/>
+          </a:lnRef>
+          <a:fillRef idx="2">
+            <a:schemeClr val="dk1"/>
+          </a:fillRef>
+          <a:effectRef idx="1">
+            <a:schemeClr val="dk1"/>
+          </a:effectRef>
+          <a:fontRef idx="minor">
+            <a:schemeClr val="dk1"/>
+          </a:fontRef>
+        </p:style>
+        <p:txBody>
+          <a:bodyPr rtlCol="0" anchor="ctr"/>
+          <a:lstStyle/>
+          <a:p>
+            <a:pPr algn="ctr"/>
+            <a:endParaRPr kumimoji="1" lang="en-US" altLang="ja-JP" b="1" dirty="0"/>
+          </a:p>
+        </p:txBody>
+      </p:sp>
+      <p:sp>
+        <p:nvSpPr>
+          <p:cNvPr id="25" name="テキスト ボックス 24">
+            <a:extLst>
+              <a:ext uri="{FF2B5EF4-FFF2-40B4-BE49-F238E27FC236}">
+                <a16:creationId xmlns:a16="http://schemas.microsoft.com/office/drawing/2014/main" id="{400C11C5-28F3-4C7A-97DC-D0A06D28E03C}"/>
+              </a:ext>
+            </a:extLst>
+          </p:cNvPr>
+          <p:cNvSpPr txBox="1"/>
+          <p:nvPr/>
+        </p:nvSpPr>
+        <p:spPr>
+          <a:xfrm>
+            <a:off x="5424896" y="1553659"/>
+            <a:ext cx="1524438" cy="584775"/>
+          </a:xfrm>
+          <a:prstGeom prst="rect">
+            <a:avLst/>
+          </a:prstGeom>
+          <a:noFill/>
+        </p:spPr>
+        <p:txBody>
+          <a:bodyPr wrap="square" rtlCol="0">
+            <a:spAutoFit/>
+          </a:bodyPr>
+          <a:lstStyle/>
+          <a:p>
+            <a:pPr algn="ctr"/>
+            <a:r>
+              <a:rPr kumimoji="1" lang="ja-JP" altLang="en-US" sz="3200" dirty="0">
+                <a:latin typeface="BIZ UDP明朝 Medium" panose="02020500000000000000" pitchFamily="18" charset="-128"/>
+                <a:ea typeface="BIZ UDP明朝 Medium" panose="02020500000000000000" pitchFamily="18" charset="-128"/>
+              </a:rPr>
+              <a:t>タイトル</a:t>
+            </a:r>
+          </a:p>
+        </p:txBody>
+      </p:sp>
+      <p:sp>
+        <p:nvSpPr>
+          <p:cNvPr id="26" name="テキスト ボックス 25">
+            <a:extLst>
+              <a:ext uri="{FF2B5EF4-FFF2-40B4-BE49-F238E27FC236}">
+                <a16:creationId xmlns:a16="http://schemas.microsoft.com/office/drawing/2014/main" id="{FAD3F330-CAE0-4C64-90CF-39D23A16C6E7}"/>
+              </a:ext>
+            </a:extLst>
+          </p:cNvPr>
+          <p:cNvSpPr txBox="1"/>
+          <p:nvPr/>
+        </p:nvSpPr>
+        <p:spPr>
+          <a:xfrm>
+            <a:off x="5716454" y="2138434"/>
+            <a:ext cx="941322" cy="230832"/>
+          </a:xfrm>
+          <a:prstGeom prst="rect">
+            <a:avLst/>
+          </a:prstGeom>
+          <a:ln>
+            <a:headEnd type="none" w="med" len="med"/>
+            <a:tailEnd type="none" w="med" len="med"/>
+          </a:ln>
+        </p:spPr>
+        <p:style>
+          <a:lnRef idx="2">
+            <a:schemeClr val="accent6"/>
+          </a:lnRef>
+          <a:fillRef idx="1">
+            <a:schemeClr val="lt1"/>
+          </a:fillRef>
+          <a:effectRef idx="0">
+            <a:schemeClr val="accent6"/>
+          </a:effectRef>
+          <a:fontRef idx="minor">
+            <a:schemeClr val="dk1"/>
+          </a:fontRef>
+        </p:style>
+        <p:txBody>
+          <a:bodyPr wrap="square" rtlCol="0">
+            <a:spAutoFit/>
+          </a:bodyPr>
+          <a:lstStyle/>
+          <a:p>
+            <a:pPr marL="0" marR="0" lvl="0" indent="0" algn="ctr" defTabSz="914400" rtl="0" eaLnBrk="0" fontAlgn="base" latinLnBrk="0" hangingPunct="0">
+              <a:lnSpc>
+                <a:spcPct val="100000"/>
+              </a:lnSpc>
+              <a:spcBef>
+                <a:spcPct val="0"/>
+              </a:spcBef>
+              <a:spcAft>
+                <a:spcPct val="0"/>
+              </a:spcAft>
+              <a:buClrTx/>
+              <a:buSzTx/>
+              <a:buFontTx/>
+              <a:buNone/>
+              <a:tabLst/>
+            </a:pPr>
+            <a:r>
+              <a:rPr kumimoji="0" lang="ja-JP" altLang="en-US" sz="900" b="0" i="0" u="none" strike="noStrike" cap="none" normalizeH="0" baseline="0" dirty="0">
+                <a:ln>
+                  <a:noFill/>
+                </a:ln>
+                <a:solidFill>
+                  <a:srgbClr val="FF0000"/>
+                </a:solidFill>
+                <a:effectLst/>
+                <a:latin typeface="BIZ UDP明朝 Medium" panose="02020500000000000000" pitchFamily="18" charset="-128"/>
+                <a:ea typeface="BIZ UDP明朝 Medium" panose="02020500000000000000" pitchFamily="18" charset="-128"/>
+              </a:rPr>
+              <a:t>操作説明</a:t>
+            </a:r>
+            <a:endParaRPr kumimoji="0" lang="ja-JP" altLang="ja-JP" sz="700" b="0" i="0" u="none" strike="noStrike" cap="none" normalizeH="0" baseline="0" dirty="0">
+              <a:ln>
+                <a:noFill/>
+              </a:ln>
+              <a:solidFill>
+                <a:srgbClr val="FF0000"/>
+              </a:solidFill>
+              <a:effectLst/>
+              <a:latin typeface="BIZ UDP明朝 Medium" panose="02020500000000000000" pitchFamily="18" charset="-128"/>
+              <a:ea typeface="BIZ UDP明朝 Medium" panose="02020500000000000000" pitchFamily="18" charset="-128"/>
+            </a:endParaRPr>
+          </a:p>
+        </p:txBody>
+      </p:sp>
+      <p:sp>
+        <p:nvSpPr>
+          <p:cNvPr id="27" name="テキスト ボックス 26">
+            <a:extLst>
+              <a:ext uri="{FF2B5EF4-FFF2-40B4-BE49-F238E27FC236}">
+                <a16:creationId xmlns:a16="http://schemas.microsoft.com/office/drawing/2014/main" id="{F75FB46F-52C4-4098-8301-154C2BCBE548}"/>
+              </a:ext>
+            </a:extLst>
+          </p:cNvPr>
+          <p:cNvSpPr txBox="1"/>
+          <p:nvPr/>
+        </p:nvSpPr>
+        <p:spPr>
+          <a:xfrm>
+            <a:off x="5716454" y="2405241"/>
+            <a:ext cx="941322" cy="230832"/>
+          </a:xfrm>
+          <a:prstGeom prst="rect">
+            <a:avLst/>
+          </a:prstGeom>
+          <a:ln>
+            <a:headEnd type="none" w="med" len="med"/>
+            <a:tailEnd type="none" w="med" len="med"/>
+          </a:ln>
+        </p:spPr>
+        <p:style>
+          <a:lnRef idx="2">
+            <a:schemeClr val="dk1"/>
+          </a:lnRef>
+          <a:fillRef idx="1">
+            <a:schemeClr val="lt1"/>
+          </a:fillRef>
+          <a:effectRef idx="0">
+            <a:schemeClr val="dk1"/>
+          </a:effectRef>
+          <a:fontRef idx="minor">
+            <a:schemeClr val="dk1"/>
+          </a:fontRef>
+        </p:style>
+        <p:txBody>
+          <a:bodyPr wrap="square" rtlCol="0">
+            <a:spAutoFit/>
+          </a:bodyPr>
+          <a:lstStyle/>
+          <a:p>
+            <a:pPr algn="ctr"/>
+            <a:r>
+              <a:rPr kumimoji="1" lang="ja-JP" altLang="en-US" sz="900" dirty="0">
+                <a:latin typeface="BIZ UDP明朝 Medium" panose="02020500000000000000" pitchFamily="18" charset="-128"/>
+                <a:ea typeface="BIZ UDP明朝 Medium" panose="02020500000000000000" pitchFamily="18" charset="-128"/>
+              </a:rPr>
+              <a:t>ゲームスタート</a:t>
+            </a:r>
+          </a:p>
+        </p:txBody>
+      </p:sp>
+      <p:sp>
+        <p:nvSpPr>
+          <p:cNvPr id="28" name="テキスト ボックス 27">
+            <a:extLst>
+              <a:ext uri="{FF2B5EF4-FFF2-40B4-BE49-F238E27FC236}">
+                <a16:creationId xmlns:a16="http://schemas.microsoft.com/office/drawing/2014/main" id="{53D60C07-8721-4896-BC02-1BDA4AEC2602}"/>
+              </a:ext>
+            </a:extLst>
+          </p:cNvPr>
+          <p:cNvSpPr txBox="1"/>
+          <p:nvPr/>
+        </p:nvSpPr>
+        <p:spPr>
+          <a:xfrm>
+            <a:off x="5716454" y="2670813"/>
+            <a:ext cx="941322" cy="230832"/>
+          </a:xfrm>
+          <a:prstGeom prst="rect">
+            <a:avLst/>
+          </a:prstGeom>
+          <a:ln>
+            <a:headEnd type="none" w="med" len="med"/>
+            <a:tailEnd type="none" w="med" len="med"/>
+          </a:ln>
+        </p:spPr>
+        <p:style>
+          <a:lnRef idx="2">
+            <a:schemeClr val="dk1"/>
+          </a:lnRef>
+          <a:fillRef idx="1">
+            <a:schemeClr val="lt1"/>
+          </a:fillRef>
+          <a:effectRef idx="0">
+            <a:schemeClr val="dk1"/>
+          </a:effectRef>
+          <a:fontRef idx="minor">
+            <a:schemeClr val="dk1"/>
+          </a:fontRef>
+        </p:style>
+        <p:txBody>
+          <a:bodyPr wrap="square" rtlCol="0">
+            <a:spAutoFit/>
+          </a:bodyPr>
+          <a:lstStyle/>
+          <a:p>
+            <a:pPr algn="ctr"/>
+            <a:r>
+              <a:rPr kumimoji="1" lang="ja-JP" altLang="en-US" sz="900" dirty="0">
+                <a:latin typeface="BIZ UDP明朝 Medium" panose="02020500000000000000" pitchFamily="18" charset="-128"/>
+                <a:ea typeface="BIZ UDP明朝 Medium" panose="02020500000000000000" pitchFamily="18" charset="-128"/>
+              </a:rPr>
+              <a:t>ゲームを終わる</a:t>
+            </a:r>
+          </a:p>
+        </p:txBody>
+      </p:sp>
+      <p:sp>
+        <p:nvSpPr>
+          <p:cNvPr id="18" name="正方形/長方形 17">
+            <a:extLst>
+              <a:ext uri="{FF2B5EF4-FFF2-40B4-BE49-F238E27FC236}">
+                <a16:creationId xmlns:a16="http://schemas.microsoft.com/office/drawing/2014/main" id="{B9B8EE8D-00AA-4E5A-943E-0A3D33A48D99}"/>
+              </a:ext>
+            </a:extLst>
+          </p:cNvPr>
+          <p:cNvSpPr/>
+          <p:nvPr/>
+        </p:nvSpPr>
+        <p:spPr>
+          <a:xfrm>
+            <a:off x="5334560" y="1459608"/>
+            <a:ext cx="1705109" cy="1456013"/>
+          </a:xfrm>
+          <a:prstGeom prst="rect">
+            <a:avLst/>
+          </a:prstGeom>
+          <a:gradFill flip="none" rotWithShape="1">
+            <a:gsLst>
+              <a:gs pos="0">
+                <a:schemeClr val="dk1">
+                  <a:lumMod val="67000"/>
+                </a:schemeClr>
+              </a:gs>
+              <a:gs pos="48000">
+                <a:schemeClr val="dk1">
+                  <a:lumMod val="97000"/>
+                  <a:lumOff val="3000"/>
+                </a:schemeClr>
+              </a:gs>
+              <a:gs pos="100000">
+                <a:schemeClr val="dk1">
+                  <a:lumMod val="60000"/>
+                  <a:lumOff val="40000"/>
+                </a:schemeClr>
+              </a:gs>
+            </a:gsLst>
+            <a:lin ang="16200000" scaled="1"/>
+            <a:tileRect/>
+          </a:gradFill>
+          <a:ln>
+            <a:noFill/>
+          </a:ln>
+        </p:spPr>
+        <p:style>
+          <a:lnRef idx="0">
+            <a:scrgbClr r="0" g="0" b="0"/>
+          </a:lnRef>
+          <a:fillRef idx="0">
+            <a:scrgbClr r="0" g="0" b="0"/>
+          </a:fillRef>
+          <a:effectRef idx="0">
+            <a:scrgbClr r="0" g="0" b="0"/>
+          </a:effectRef>
+          <a:fontRef idx="minor">
+            <a:schemeClr val="lt1"/>
+          </a:fontRef>
+        </p:style>
+        <p:txBody>
+          <a:bodyPr rtlCol="0" anchor="ctr"/>
+          <a:lstStyle/>
+          <a:p>
+            <a:pPr algn="ctr"/>
+            <a:r>
+              <a:rPr kumimoji="1" lang="ja-JP" altLang="en-US" sz="1100" dirty="0"/>
+              <a:t>左右キー</a:t>
+            </a:r>
+            <a:r>
+              <a:rPr kumimoji="1" lang="en-US" altLang="ja-JP" sz="1100" dirty="0"/>
+              <a:t>…</a:t>
+            </a:r>
+            <a:r>
+              <a:rPr kumimoji="1" lang="ja-JP" altLang="en-US" sz="1100" dirty="0"/>
+              <a:t>左右移動</a:t>
+            </a:r>
+            <a:endParaRPr kumimoji="1" lang="en-US" altLang="ja-JP" sz="1100" dirty="0"/>
+          </a:p>
+          <a:p>
+            <a:pPr algn="ctr"/>
+            <a:r>
+              <a:rPr kumimoji="1" lang="en-US" altLang="ja-JP" sz="1100" dirty="0"/>
+              <a:t>Z</a:t>
+            </a:r>
+            <a:r>
+              <a:rPr kumimoji="1" lang="ja-JP" altLang="en-US" sz="1100" dirty="0"/>
+              <a:t>キー</a:t>
+            </a:r>
+            <a:r>
+              <a:rPr kumimoji="1" lang="en-US" altLang="ja-JP" sz="1100" dirty="0"/>
+              <a:t>…</a:t>
+            </a:r>
+            <a:r>
+              <a:rPr kumimoji="1" lang="ja-JP" altLang="en-US" sz="1100" dirty="0"/>
+              <a:t>ジャンプ</a:t>
+            </a:r>
+            <a:endParaRPr kumimoji="1" lang="en-US" altLang="ja-JP" sz="1100" dirty="0"/>
+          </a:p>
+          <a:p>
+            <a:pPr algn="ctr"/>
+            <a:r>
+              <a:rPr kumimoji="1" lang="en-US" altLang="ja-JP" sz="1100" dirty="0"/>
+              <a:t>Space</a:t>
+            </a:r>
+            <a:r>
+              <a:rPr kumimoji="1" lang="ja-JP" altLang="en-US" sz="1100" dirty="0"/>
+              <a:t>キー</a:t>
+            </a:r>
+            <a:r>
+              <a:rPr kumimoji="1" lang="en-US" altLang="ja-JP" sz="1100" dirty="0"/>
+              <a:t>…</a:t>
+            </a:r>
+            <a:r>
+              <a:rPr kumimoji="1" lang="ja-JP" altLang="en-US" sz="1100" dirty="0"/>
+              <a:t>攻撃</a:t>
+            </a:r>
+            <a:endParaRPr kumimoji="1" lang="en-US" altLang="ja-JP" sz="1100" dirty="0"/>
+          </a:p>
+          <a:p>
+            <a:pPr algn="ctr"/>
+            <a:endParaRPr kumimoji="1" lang="en-US" altLang="ja-JP" sz="1100" dirty="0"/>
+          </a:p>
+          <a:p>
+            <a:pPr algn="ctr"/>
+            <a:r>
+              <a:rPr kumimoji="1" lang="ja-JP" altLang="en-US" sz="900" dirty="0"/>
+              <a:t>左右上下キー</a:t>
+            </a:r>
+            <a:r>
+              <a:rPr kumimoji="1" lang="en-US" altLang="ja-JP" sz="900" dirty="0"/>
+              <a:t>…</a:t>
+            </a:r>
+            <a:r>
+              <a:rPr kumimoji="1" lang="ja-JP" altLang="en-US" sz="900" dirty="0"/>
+              <a:t>カーソル移動</a:t>
+            </a:r>
+            <a:r>
+              <a:rPr kumimoji="1" lang="en-US" altLang="ja-JP" sz="900" dirty="0"/>
+              <a:t>A</a:t>
+            </a:r>
+            <a:r>
+              <a:rPr kumimoji="1" lang="ja-JP" altLang="en-US" sz="900" dirty="0"/>
+              <a:t>キー</a:t>
+            </a:r>
+            <a:r>
+              <a:rPr kumimoji="1" lang="en-US" altLang="ja-JP" sz="900" dirty="0"/>
+              <a:t>…</a:t>
+            </a:r>
+            <a:r>
+              <a:rPr kumimoji="1" lang="ja-JP" altLang="en-US" sz="900" dirty="0"/>
+              <a:t>決定</a:t>
+            </a:r>
+            <a:endParaRPr kumimoji="1" lang="en-US" altLang="ja-JP" sz="900" dirty="0"/>
+          </a:p>
+          <a:p>
+            <a:pPr algn="ctr"/>
+            <a:endParaRPr kumimoji="1" lang="en-US" altLang="ja-JP" sz="900" dirty="0"/>
+          </a:p>
+          <a:p>
+            <a:pPr algn="ctr"/>
+            <a:r>
+              <a:rPr kumimoji="1" lang="ja-JP" altLang="en-US" sz="900" dirty="0"/>
+              <a:t>戻る</a:t>
+            </a:r>
+          </a:p>
+        </p:txBody>
+      </p:sp>
+      <p:sp>
+        <p:nvSpPr>
+          <p:cNvPr id="29" name="テキスト ボックス 28">
+            <a:extLst>
+              <a:ext uri="{FF2B5EF4-FFF2-40B4-BE49-F238E27FC236}">
+                <a16:creationId xmlns:a16="http://schemas.microsoft.com/office/drawing/2014/main" id="{D3457E93-E8AF-4FB2-9FE8-165691C7397A}"/>
+              </a:ext>
+            </a:extLst>
+          </p:cNvPr>
+          <p:cNvSpPr txBox="1"/>
+          <p:nvPr/>
+        </p:nvSpPr>
+        <p:spPr>
+          <a:xfrm>
+            <a:off x="1318074" y="4277730"/>
+            <a:ext cx="941322" cy="230832"/>
+          </a:xfrm>
+          <a:prstGeom prst="rect">
+            <a:avLst/>
+          </a:prstGeom>
+          <a:ln>
+            <a:headEnd type="none" w="med" len="med"/>
+            <a:tailEnd type="none" w="med" len="med"/>
+          </a:ln>
+        </p:spPr>
+        <p:style>
+          <a:lnRef idx="2">
+            <a:schemeClr val="dk1"/>
+          </a:lnRef>
+          <a:fillRef idx="1">
+            <a:schemeClr val="lt1"/>
+          </a:fillRef>
+          <a:effectRef idx="0">
+            <a:schemeClr val="dk1"/>
+          </a:effectRef>
+          <a:fontRef idx="minor">
+            <a:schemeClr val="dk1"/>
+          </a:fontRef>
+        </p:style>
+        <p:txBody>
+          <a:bodyPr wrap="square" rtlCol="0">
+            <a:spAutoFit/>
+          </a:bodyPr>
+          <a:lstStyle/>
+          <a:p>
+            <a:pPr marL="0" marR="0" lvl="0" indent="0" algn="ctr" defTabSz="914400" rtl="0" eaLnBrk="0" fontAlgn="base" latinLnBrk="0" hangingPunct="0">
+              <a:lnSpc>
+                <a:spcPct val="100000"/>
+              </a:lnSpc>
+              <a:spcBef>
+                <a:spcPct val="0"/>
+              </a:spcBef>
+              <a:spcAft>
+                <a:spcPct val="0"/>
+              </a:spcAft>
+              <a:buClrTx/>
+              <a:buSzTx/>
+              <a:buFontTx/>
+              <a:buNone/>
+              <a:tabLst/>
+            </a:pPr>
+            <a:r>
+              <a:rPr kumimoji="0" lang="ja-JP" altLang="en-US" sz="900" b="0" i="0" u="none" strike="noStrike" cap="none" normalizeH="0" baseline="0" dirty="0">
+                <a:ln>
+                  <a:noFill/>
+                </a:ln>
+                <a:solidFill>
+                  <a:schemeClr val="tx1"/>
+                </a:solidFill>
+                <a:effectLst/>
+                <a:latin typeface="BIZ UDP明朝 Medium" panose="02020500000000000000" pitchFamily="18" charset="-128"/>
+                <a:ea typeface="BIZ UDP明朝 Medium" panose="02020500000000000000" pitchFamily="18" charset="-128"/>
+              </a:rPr>
+              <a:t>操作説明</a:t>
+            </a:r>
+            <a:endParaRPr kumimoji="0" lang="ja-JP" altLang="ja-JP" sz="700" b="0" i="0" u="none" strike="noStrike" cap="none" normalizeH="0" baseline="0" dirty="0">
+              <a:ln>
+                <a:noFill/>
+              </a:ln>
+              <a:solidFill>
+                <a:schemeClr val="tx1"/>
+              </a:solidFill>
+              <a:effectLst/>
+              <a:latin typeface="BIZ UDP明朝 Medium" panose="02020500000000000000" pitchFamily="18" charset="-128"/>
+              <a:ea typeface="BIZ UDP明朝 Medium" panose="02020500000000000000" pitchFamily="18" charset="-128"/>
+            </a:endParaRPr>
+          </a:p>
+        </p:txBody>
+      </p:sp>
+      <p:sp>
+        <p:nvSpPr>
+          <p:cNvPr id="30" name="テキスト ボックス 29">
+            <a:extLst>
+              <a:ext uri="{FF2B5EF4-FFF2-40B4-BE49-F238E27FC236}">
+                <a16:creationId xmlns:a16="http://schemas.microsoft.com/office/drawing/2014/main" id="{81B4DADC-9419-4198-AEDB-F8820220AF68}"/>
+              </a:ext>
+            </a:extLst>
+          </p:cNvPr>
+          <p:cNvSpPr txBox="1"/>
+          <p:nvPr/>
+        </p:nvSpPr>
+        <p:spPr>
+          <a:xfrm>
+            <a:off x="1318074" y="4544537"/>
+            <a:ext cx="941322" cy="230832"/>
+          </a:xfrm>
+          <a:prstGeom prst="rect">
+            <a:avLst/>
+          </a:prstGeom>
+          <a:ln>
+            <a:headEnd type="none" w="med" len="med"/>
+            <a:tailEnd type="none" w="med" len="med"/>
+          </a:ln>
+        </p:spPr>
+        <p:style>
+          <a:lnRef idx="2">
+            <a:schemeClr val="accent6"/>
+          </a:lnRef>
+          <a:fillRef idx="1">
+            <a:schemeClr val="lt1"/>
+          </a:fillRef>
+          <a:effectRef idx="0">
+            <a:schemeClr val="accent6"/>
+          </a:effectRef>
+          <a:fontRef idx="minor">
+            <a:schemeClr val="dk1"/>
+          </a:fontRef>
+        </p:style>
+        <p:txBody>
+          <a:bodyPr wrap="square" rtlCol="0">
+            <a:spAutoFit/>
+          </a:bodyPr>
+          <a:lstStyle/>
+          <a:p>
+            <a:pPr algn="ctr"/>
+            <a:r>
+              <a:rPr kumimoji="1" lang="ja-JP" altLang="en-US" sz="900" dirty="0">
+                <a:solidFill>
+                  <a:srgbClr val="FF0000"/>
+                </a:solidFill>
+                <a:latin typeface="BIZ UDP明朝 Medium" panose="02020500000000000000" pitchFamily="18" charset="-128"/>
+                <a:ea typeface="BIZ UDP明朝 Medium" panose="02020500000000000000" pitchFamily="18" charset="-128"/>
+              </a:rPr>
+              <a:t>ゲームスタート</a:t>
+            </a:r>
+          </a:p>
+        </p:txBody>
+      </p:sp>
+      <p:sp>
+        <p:nvSpPr>
+          <p:cNvPr id="31" name="テキスト ボックス 30">
+            <a:extLst>
+              <a:ext uri="{FF2B5EF4-FFF2-40B4-BE49-F238E27FC236}">
+                <a16:creationId xmlns:a16="http://schemas.microsoft.com/office/drawing/2014/main" id="{C1794C72-ACAE-45D8-A6B7-E12038353830}"/>
+              </a:ext>
+            </a:extLst>
+          </p:cNvPr>
+          <p:cNvSpPr txBox="1"/>
+          <p:nvPr/>
+        </p:nvSpPr>
+        <p:spPr>
+          <a:xfrm>
+            <a:off x="1318074" y="4810109"/>
+            <a:ext cx="941322" cy="230832"/>
+          </a:xfrm>
+          <a:prstGeom prst="rect">
+            <a:avLst/>
+          </a:prstGeom>
+          <a:ln>
+            <a:headEnd type="none" w="med" len="med"/>
+            <a:tailEnd type="none" w="med" len="med"/>
+          </a:ln>
+        </p:spPr>
+        <p:style>
+          <a:lnRef idx="2">
+            <a:schemeClr val="dk1"/>
+          </a:lnRef>
+          <a:fillRef idx="1">
+            <a:schemeClr val="lt1"/>
+          </a:fillRef>
+          <a:effectRef idx="0">
+            <a:schemeClr val="dk1"/>
+          </a:effectRef>
+          <a:fontRef idx="minor">
+            <a:schemeClr val="dk1"/>
+          </a:fontRef>
+        </p:style>
+        <p:txBody>
+          <a:bodyPr wrap="square" rtlCol="0">
+            <a:spAutoFit/>
+          </a:bodyPr>
+          <a:lstStyle/>
+          <a:p>
+            <a:pPr algn="ctr"/>
+            <a:r>
+              <a:rPr kumimoji="1" lang="ja-JP" altLang="en-US" sz="900" dirty="0">
+                <a:latin typeface="BIZ UDP明朝 Medium" panose="02020500000000000000" pitchFamily="18" charset="-128"/>
+                <a:ea typeface="BIZ UDP明朝 Medium" panose="02020500000000000000" pitchFamily="18" charset="-128"/>
+              </a:rPr>
+              <a:t>ゲームを終わる</a:t>
+            </a:r>
+          </a:p>
+        </p:txBody>
+      </p:sp>
+      <p:sp>
+        <p:nvSpPr>
+          <p:cNvPr id="32" name="正方形/長方形 31">
+            <a:extLst>
+              <a:ext uri="{FF2B5EF4-FFF2-40B4-BE49-F238E27FC236}">
+                <a16:creationId xmlns:a16="http://schemas.microsoft.com/office/drawing/2014/main" id="{34189908-00C0-4AF3-8DAA-989EC58F42AD}"/>
+              </a:ext>
+            </a:extLst>
+          </p:cNvPr>
+          <p:cNvSpPr/>
+          <p:nvPr/>
+        </p:nvSpPr>
+        <p:spPr>
+          <a:xfrm>
+            <a:off x="4763429" y="3536319"/>
+            <a:ext cx="2847373" cy="1527858"/>
+          </a:xfrm>
+          <a:prstGeom prst="rect">
+            <a:avLst/>
+          </a:prstGeom>
+        </p:spPr>
+        <p:style>
+          <a:lnRef idx="1">
+            <a:schemeClr val="dk1"/>
+          </a:lnRef>
+          <a:fillRef idx="2">
+            <a:schemeClr val="dk1"/>
+          </a:fillRef>
+          <a:effectRef idx="1">
+            <a:schemeClr val="dk1"/>
+          </a:effectRef>
+          <a:fontRef idx="minor">
+            <a:schemeClr val="dk1"/>
+          </a:fontRef>
+        </p:style>
+        <p:txBody>
+          <a:bodyPr rtlCol="0" anchor="ctr"/>
+          <a:lstStyle/>
+          <a:p>
+            <a:pPr algn="ctr"/>
+            <a:endParaRPr kumimoji="1" lang="en-US" altLang="ja-JP" b="1" dirty="0"/>
+          </a:p>
+        </p:txBody>
+      </p:sp>
+      <p:sp>
+        <p:nvSpPr>
+          <p:cNvPr id="33" name="正方形/長方形 32">
+            <a:extLst>
+              <a:ext uri="{FF2B5EF4-FFF2-40B4-BE49-F238E27FC236}">
+                <a16:creationId xmlns:a16="http://schemas.microsoft.com/office/drawing/2014/main" id="{90C46C73-3E4A-46BE-9E5A-D3B40EA4C649}"/>
+              </a:ext>
+            </a:extLst>
+          </p:cNvPr>
+          <p:cNvSpPr/>
+          <p:nvPr/>
+        </p:nvSpPr>
+        <p:spPr>
+          <a:xfrm>
+            <a:off x="4763429" y="3536319"/>
+            <a:ext cx="571131" cy="1527858"/>
+          </a:xfrm>
+          <a:prstGeom prst="rect">
+            <a:avLst/>
+          </a:prstGeom>
+        </p:spPr>
+        <p:style>
+          <a:lnRef idx="2">
+            <a:schemeClr val="dk1">
+              <a:shade val="50000"/>
+            </a:schemeClr>
+          </a:lnRef>
+          <a:fillRef idx="1">
+            <a:schemeClr val="dk1"/>
+          </a:fillRef>
+          <a:effectRef idx="0">
+            <a:schemeClr val="dk1"/>
+          </a:effectRef>
+          <a:fontRef idx="minor">
+            <a:schemeClr val="lt1"/>
+          </a:fontRef>
+        </p:style>
+        <p:txBody>
+          <a:bodyPr rtlCol="0" anchor="ctr"/>
+          <a:lstStyle/>
+          <a:p>
+            <a:pPr algn="ctr"/>
+            <a:endParaRPr kumimoji="1" lang="ja-JP" altLang="en-US"/>
+          </a:p>
+        </p:txBody>
+      </p:sp>
+      <p:sp>
+        <p:nvSpPr>
+          <p:cNvPr id="34" name="正方形/長方形 33">
+            <a:extLst>
+              <a:ext uri="{FF2B5EF4-FFF2-40B4-BE49-F238E27FC236}">
+                <a16:creationId xmlns:a16="http://schemas.microsoft.com/office/drawing/2014/main" id="{DB8E42FF-3643-49D0-B045-6BBF58E84B6F}"/>
+              </a:ext>
+            </a:extLst>
+          </p:cNvPr>
+          <p:cNvSpPr/>
+          <p:nvPr/>
+        </p:nvSpPr>
+        <p:spPr>
+          <a:xfrm>
+            <a:off x="7039671" y="3536319"/>
+            <a:ext cx="571131" cy="1527858"/>
+          </a:xfrm>
+          <a:prstGeom prst="rect">
+            <a:avLst/>
+          </a:prstGeom>
+        </p:spPr>
+        <p:style>
+          <a:lnRef idx="2">
+            <a:schemeClr val="dk1">
+              <a:shade val="50000"/>
+            </a:schemeClr>
+          </a:lnRef>
+          <a:fillRef idx="1">
+            <a:schemeClr val="dk1"/>
+          </a:fillRef>
+          <a:effectRef idx="0">
+            <a:schemeClr val="dk1"/>
+          </a:effectRef>
+          <a:fontRef idx="minor">
+            <a:schemeClr val="lt1"/>
+          </a:fontRef>
+        </p:style>
+        <p:txBody>
+          <a:bodyPr rtlCol="0" anchor="ctr"/>
+          <a:lstStyle/>
+          <a:p>
+            <a:pPr algn="ctr"/>
+            <a:endParaRPr kumimoji="1" lang="ja-JP" altLang="en-US"/>
+          </a:p>
+        </p:txBody>
+      </p:sp>
+      <p:sp>
+        <p:nvSpPr>
+          <p:cNvPr id="35" name="テキスト ボックス 34">
+            <a:extLst>
+              <a:ext uri="{FF2B5EF4-FFF2-40B4-BE49-F238E27FC236}">
+                <a16:creationId xmlns:a16="http://schemas.microsoft.com/office/drawing/2014/main" id="{4B70D7FC-D283-4227-8F0D-84B86AB2F538}"/>
+              </a:ext>
+            </a:extLst>
+          </p:cNvPr>
+          <p:cNvSpPr txBox="1"/>
+          <p:nvPr/>
+        </p:nvSpPr>
+        <p:spPr>
+          <a:xfrm>
+            <a:off x="5424896" y="3536319"/>
+            <a:ext cx="1524438" cy="584775"/>
+          </a:xfrm>
+          <a:prstGeom prst="rect">
+            <a:avLst/>
+          </a:prstGeom>
+          <a:noFill/>
+        </p:spPr>
+        <p:txBody>
+          <a:bodyPr wrap="square" rtlCol="0">
+            <a:spAutoFit/>
+          </a:bodyPr>
+          <a:lstStyle/>
+          <a:p>
+            <a:pPr algn="ctr"/>
+            <a:r>
+              <a:rPr kumimoji="1" lang="ja-JP" altLang="en-US" sz="3200" dirty="0">
+                <a:latin typeface="BIZ UDP明朝 Medium" panose="02020500000000000000" pitchFamily="18" charset="-128"/>
+                <a:ea typeface="BIZ UDP明朝 Medium" panose="02020500000000000000" pitchFamily="18" charset="-128"/>
+              </a:rPr>
+              <a:t>タイトル</a:t>
+            </a:r>
+          </a:p>
+        </p:txBody>
+      </p:sp>
+      <p:sp>
+        <p:nvSpPr>
+          <p:cNvPr id="36" name="テキスト ボックス 35">
+            <a:extLst>
+              <a:ext uri="{FF2B5EF4-FFF2-40B4-BE49-F238E27FC236}">
+                <a16:creationId xmlns:a16="http://schemas.microsoft.com/office/drawing/2014/main" id="{D43A7EC8-FE23-4370-916C-071885E6DD68}"/>
+              </a:ext>
+            </a:extLst>
+          </p:cNvPr>
+          <p:cNvSpPr txBox="1"/>
+          <p:nvPr/>
+        </p:nvSpPr>
+        <p:spPr>
+          <a:xfrm>
+            <a:off x="5716454" y="4208230"/>
+            <a:ext cx="941322" cy="230832"/>
+          </a:xfrm>
+          <a:prstGeom prst="rect">
+            <a:avLst/>
+          </a:prstGeom>
+          <a:ln>
+            <a:headEnd type="none" w="med" len="med"/>
+            <a:tailEnd type="none" w="med" len="med"/>
+          </a:ln>
+        </p:spPr>
+        <p:style>
+          <a:lnRef idx="2">
+            <a:schemeClr val="accent6"/>
+          </a:lnRef>
+          <a:fillRef idx="1">
+            <a:schemeClr val="lt1"/>
+          </a:fillRef>
+          <a:effectRef idx="0">
+            <a:schemeClr val="accent6"/>
+          </a:effectRef>
+          <a:fontRef idx="minor">
+            <a:schemeClr val="dk1"/>
+          </a:fontRef>
+        </p:style>
+        <p:txBody>
+          <a:bodyPr wrap="square" rtlCol="0">
+            <a:spAutoFit/>
+          </a:bodyPr>
+          <a:lstStyle/>
+          <a:p>
+            <a:pPr marL="0" marR="0" lvl="0" indent="0" algn="ctr" defTabSz="914400" rtl="0" eaLnBrk="0" fontAlgn="base" latinLnBrk="0" hangingPunct="0">
+              <a:lnSpc>
+                <a:spcPct val="100000"/>
+              </a:lnSpc>
+              <a:spcBef>
+                <a:spcPct val="0"/>
+              </a:spcBef>
+              <a:spcAft>
+                <a:spcPct val="0"/>
+              </a:spcAft>
+              <a:buClrTx/>
+              <a:buSzTx/>
+              <a:buFontTx/>
+              <a:buNone/>
+              <a:tabLst/>
+            </a:pPr>
+            <a:r>
+              <a:rPr kumimoji="0" lang="ja-JP" altLang="en-US" sz="900" b="0" i="0" u="none" strike="noStrike" cap="none" normalizeH="0" baseline="0" dirty="0">
+                <a:ln>
+                  <a:noFill/>
+                </a:ln>
+                <a:solidFill>
+                  <a:srgbClr val="FF0000"/>
+                </a:solidFill>
+                <a:effectLst/>
+                <a:latin typeface="BIZ UDP明朝 Medium" panose="02020500000000000000" pitchFamily="18" charset="-128"/>
+                <a:ea typeface="BIZ UDP明朝 Medium" panose="02020500000000000000" pitchFamily="18" charset="-128"/>
+              </a:rPr>
+              <a:t>操作説明</a:t>
+            </a:r>
+            <a:endParaRPr kumimoji="0" lang="ja-JP" altLang="ja-JP" sz="700" b="0" i="0" u="none" strike="noStrike" cap="none" normalizeH="0" baseline="0" dirty="0">
+              <a:ln>
+                <a:noFill/>
+              </a:ln>
+              <a:solidFill>
+                <a:srgbClr val="FF0000"/>
+              </a:solidFill>
+              <a:effectLst/>
+              <a:latin typeface="BIZ UDP明朝 Medium" panose="02020500000000000000" pitchFamily="18" charset="-128"/>
+              <a:ea typeface="BIZ UDP明朝 Medium" panose="02020500000000000000" pitchFamily="18" charset="-128"/>
+            </a:endParaRPr>
+          </a:p>
+        </p:txBody>
+      </p:sp>
+      <p:sp>
+        <p:nvSpPr>
+          <p:cNvPr id="37" name="テキスト ボックス 36">
+            <a:extLst>
+              <a:ext uri="{FF2B5EF4-FFF2-40B4-BE49-F238E27FC236}">
+                <a16:creationId xmlns:a16="http://schemas.microsoft.com/office/drawing/2014/main" id="{D893C068-2F26-4589-BC5B-4DD360A34620}"/>
+              </a:ext>
+            </a:extLst>
+          </p:cNvPr>
+          <p:cNvSpPr txBox="1"/>
+          <p:nvPr/>
+        </p:nvSpPr>
+        <p:spPr>
+          <a:xfrm>
+            <a:off x="5716454" y="4475037"/>
+            <a:ext cx="941322" cy="230832"/>
+          </a:xfrm>
+          <a:prstGeom prst="rect">
+            <a:avLst/>
+          </a:prstGeom>
+          <a:ln>
+            <a:headEnd type="none" w="med" len="med"/>
+            <a:tailEnd type="none" w="med" len="med"/>
+          </a:ln>
+        </p:spPr>
+        <p:style>
+          <a:lnRef idx="2">
+            <a:schemeClr val="dk1"/>
+          </a:lnRef>
+          <a:fillRef idx="1">
+            <a:schemeClr val="lt1"/>
+          </a:fillRef>
+          <a:effectRef idx="0">
+            <a:schemeClr val="dk1"/>
+          </a:effectRef>
+          <a:fontRef idx="minor">
+            <a:schemeClr val="dk1"/>
+          </a:fontRef>
+        </p:style>
+        <p:txBody>
+          <a:bodyPr wrap="square" rtlCol="0">
+            <a:spAutoFit/>
+          </a:bodyPr>
+          <a:lstStyle/>
+          <a:p>
+            <a:pPr algn="ctr"/>
+            <a:r>
+              <a:rPr kumimoji="1" lang="ja-JP" altLang="en-US" sz="900" dirty="0">
+                <a:latin typeface="BIZ UDP明朝 Medium" panose="02020500000000000000" pitchFamily="18" charset="-128"/>
+                <a:ea typeface="BIZ UDP明朝 Medium" panose="02020500000000000000" pitchFamily="18" charset="-128"/>
+              </a:rPr>
+              <a:t>ゲームスタート</a:t>
+            </a:r>
+          </a:p>
+        </p:txBody>
+      </p:sp>
+      <p:sp>
+        <p:nvSpPr>
+          <p:cNvPr id="38" name="テキスト ボックス 37">
+            <a:extLst>
+              <a:ext uri="{FF2B5EF4-FFF2-40B4-BE49-F238E27FC236}">
+                <a16:creationId xmlns:a16="http://schemas.microsoft.com/office/drawing/2014/main" id="{1D38E169-8C17-4E78-A857-FFC5296D4612}"/>
+              </a:ext>
+            </a:extLst>
+          </p:cNvPr>
+          <p:cNvSpPr txBox="1"/>
+          <p:nvPr/>
+        </p:nvSpPr>
+        <p:spPr>
+          <a:xfrm>
+            <a:off x="5716454" y="4740609"/>
+            <a:ext cx="941322" cy="230832"/>
+          </a:xfrm>
+          <a:prstGeom prst="rect">
+            <a:avLst/>
+          </a:prstGeom>
+          <a:ln>
+            <a:headEnd type="none" w="med" len="med"/>
+            <a:tailEnd type="none" w="med" len="med"/>
+          </a:ln>
+        </p:spPr>
+        <p:style>
+          <a:lnRef idx="2">
+            <a:schemeClr val="dk1"/>
+          </a:lnRef>
+          <a:fillRef idx="1">
+            <a:schemeClr val="lt1"/>
+          </a:fillRef>
+          <a:effectRef idx="0">
+            <a:schemeClr val="dk1"/>
+          </a:effectRef>
+          <a:fontRef idx="minor">
+            <a:schemeClr val="dk1"/>
+          </a:fontRef>
+        </p:style>
+        <p:txBody>
+          <a:bodyPr wrap="square" rtlCol="0">
+            <a:spAutoFit/>
+          </a:bodyPr>
+          <a:lstStyle/>
+          <a:p>
+            <a:pPr algn="ctr"/>
+            <a:r>
+              <a:rPr kumimoji="1" lang="ja-JP" altLang="en-US" sz="900" dirty="0">
+                <a:latin typeface="BIZ UDP明朝 Medium" panose="02020500000000000000" pitchFamily="18" charset="-128"/>
+                <a:ea typeface="BIZ UDP明朝 Medium" panose="02020500000000000000" pitchFamily="18" charset="-128"/>
+              </a:rPr>
+              <a:t>ゲームを終わる</a:t>
+            </a:r>
+          </a:p>
+        </p:txBody>
+      </p:sp>
+    </p:spTree>
+    <p:extLst>
+      <p:ext uri="{BB962C8B-B14F-4D97-AF65-F5344CB8AC3E}">
+        <p14:creationId xmlns:p14="http://schemas.microsoft.com/office/powerpoint/2010/main" val="3631817479"/>
+      </p:ext>
+    </p:extLst>
+  </p:cSld>
+  <p:clrMapOvr>
+    <a:masterClrMapping/>
+  </p:clrMapOvr>
+</p:sld>
+</file>
+
+<file path=ppt/slides/slide5.xml><?xml version="1.0" encoding="utf-8"?>
+<p:sld xmlns:a="http://schemas.openxmlformats.org/drawingml/2006/main" xmlns:r="http://schemas.openxmlformats.org/officeDocument/2006/relationships" xmlns:p="http://schemas.openxmlformats.org/presentationml/2006/main">
+  <p:cSld>
+    <p:spTree>
+      <p:nvGrpSpPr>
+        <p:cNvPr id="1" name=""/>
+        <p:cNvGrpSpPr/>
+        <p:nvPr/>
+      </p:nvGrpSpPr>
+      <p:grpSpPr>
+        <a:xfrm>
+          <a:off x="0" y="0"/>
+          <a:ext cx="0" cy="0"/>
+          <a:chOff x="0" y="0"/>
+          <a:chExt cx="0" cy="0"/>
+        </a:xfrm>
+      </p:grpSpPr>
+      <p:sp>
+        <p:nvSpPr>
+          <p:cNvPr id="4" name="テキスト ボックス 3">
+            <a:extLst>
+              <a:ext uri="{FF2B5EF4-FFF2-40B4-BE49-F238E27FC236}">
+                <a16:creationId xmlns:a16="http://schemas.microsoft.com/office/drawing/2014/main" id="{31421DED-0AB4-45AF-80E0-5DB4F9CC4890}"/>
+              </a:ext>
+            </a:extLst>
+          </p:cNvPr>
+          <p:cNvSpPr txBox="1"/>
+          <p:nvPr/>
+        </p:nvSpPr>
+        <p:spPr>
+          <a:xfrm>
+            <a:off x="196267" y="174172"/>
+            <a:ext cx="3016155" cy="369332"/>
+          </a:xfrm>
+          <a:prstGeom prst="rect">
+            <a:avLst/>
+          </a:prstGeom>
+          <a:noFill/>
+        </p:spPr>
+        <p:txBody>
+          <a:bodyPr wrap="square" rtlCol="0">
+            <a:spAutoFit/>
+          </a:bodyPr>
+          <a:lstStyle/>
+          <a:p>
+            <a:r>
+              <a:rPr lang="ja-JP" altLang="en-US" dirty="0">
+                <a:highlight>
+                  <a:srgbClr val="C0C0C0"/>
+                </a:highlight>
+              </a:rPr>
+              <a:t>作品展示会用 ゲーム企画書</a:t>
+            </a:r>
+            <a:endParaRPr kumimoji="1" lang="ja-JP" altLang="en-US" dirty="0">
+              <a:highlight>
+                <a:srgbClr val="C0C0C0"/>
+              </a:highlight>
+            </a:endParaRPr>
+          </a:p>
+        </p:txBody>
+      </p:sp>
+      <p:sp>
+        <p:nvSpPr>
           <p:cNvPr id="2" name="テキスト ボックス 1">
             <a:extLst>
               <a:ext uri="{FF2B5EF4-FFF2-40B4-BE49-F238E27FC236}">
@@ -5882,80 +7403,6 @@
     <p:extLst>
       <p:ext uri="{BB962C8B-B14F-4D97-AF65-F5344CB8AC3E}">
         <p14:creationId xmlns:p14="http://schemas.microsoft.com/office/powerpoint/2010/main" val="1292378575"/>
-      </p:ext>
-    </p:extLst>
-  </p:cSld>
-  <p:clrMapOvr>
-    <a:masterClrMapping/>
-  </p:clrMapOvr>
-</p:sld>
-</file>
-
-<file path=ppt/slides/slide5.xml><?xml version="1.0" encoding="utf-8"?>
-<p:sld xmlns:a="http://schemas.openxmlformats.org/drawingml/2006/main" xmlns:r="http://schemas.openxmlformats.org/officeDocument/2006/relationships" xmlns:p="http://schemas.openxmlformats.org/presentationml/2006/main">
-  <p:cSld>
-    <p:spTree>
-      <p:nvGrpSpPr>
-        <p:cNvPr id="1" name=""/>
-        <p:cNvGrpSpPr/>
-        <p:nvPr/>
-      </p:nvGrpSpPr>
-      <p:grpSpPr>
-        <a:xfrm>
-          <a:off x="0" y="0"/>
-          <a:ext cx="0" cy="0"/>
-          <a:chOff x="0" y="0"/>
-          <a:chExt cx="0" cy="0"/>
-        </a:xfrm>
-      </p:grpSpPr>
-      <p:sp>
-        <p:nvSpPr>
-          <p:cNvPr id="4" name="テキスト ボックス 3">
-            <a:extLst>
-              <a:ext uri="{FF2B5EF4-FFF2-40B4-BE49-F238E27FC236}">
-                <a16:creationId xmlns:a16="http://schemas.microsoft.com/office/drawing/2014/main" id="{31421DED-0AB4-45AF-80E0-5DB4F9CC4890}"/>
-              </a:ext>
-            </a:extLst>
-          </p:cNvPr>
-          <p:cNvSpPr txBox="1"/>
-          <p:nvPr/>
-        </p:nvSpPr>
-        <p:spPr>
-          <a:xfrm>
-            <a:off x="196267" y="174172"/>
-            <a:ext cx="3016155" cy="369332"/>
-          </a:xfrm>
-          <a:prstGeom prst="rect">
-            <a:avLst/>
-          </a:prstGeom>
-          <a:noFill/>
-        </p:spPr>
-        <p:txBody>
-          <a:bodyPr wrap="square" rtlCol="0">
-            <a:spAutoFit/>
-          </a:bodyPr>
-          <a:lstStyle/>
-          <a:p>
-            <a:r>
-              <a:rPr lang="ja-JP" altLang="en-US" dirty="0">
-                <a:highlight>
-                  <a:srgbClr val="C0C0C0"/>
-                </a:highlight>
-              </a:rPr>
-              <a:t>作品展示会用 ゲーム企画書</a:t>
-            </a:r>
-            <a:endParaRPr kumimoji="1" lang="ja-JP" altLang="en-US" dirty="0">
-              <a:highlight>
-                <a:srgbClr val="C0C0C0"/>
-              </a:highlight>
-            </a:endParaRPr>
-          </a:p>
-        </p:txBody>
-      </p:sp>
-    </p:spTree>
-    <p:extLst>
-      <p:ext uri="{BB962C8B-B14F-4D97-AF65-F5344CB8AC3E}">
-        <p14:creationId xmlns:p14="http://schemas.microsoft.com/office/powerpoint/2010/main" val="3631817479"/>
       </p:ext>
     </p:extLst>
   </p:cSld>
